--- a/ProjectDocs/Brief Initial Presentation.pptx
+++ b/ProjectDocs/Brief Initial Presentation.pptx
@@ -12,6 +12,7 @@
     <p:sldId id="257" r:id="rId5"/>
     <p:sldId id="258" r:id="rId6"/>
     <p:sldId id="259" r:id="rId7"/>
+    <p:sldId id="260" r:id="rId8"/>
   </p:sldIdLst>
   <p:sldSz cx="10080625" cy="5670550"/>
   <p:notesSz cx="7772400" cy="10058400"/>
@@ -230,7 +231,7 @@
           <a:bodyPr lIns="0" rIns="0" tIns="0" bIns="0" anchor="b"/>
           <a:p>
             <a:pPr algn="r"/>
-            <a:fld id="{0710D0D1-2832-4A3A-BA2E-A6E23EE2B205}" type="slidenum">
+            <a:fld id="{681699DE-BBA2-4A81-AE9A-E6CAABC9D742}" type="slidenum">
               <a:rPr b="0" lang="en-US" sz="1400" spc="-1" strike="noStrike">
                 <a:latin typeface="Times New Roman"/>
               </a:rPr>
@@ -267,7 +268,7 @@
       </p:grpSpPr>
       <p:sp>
         <p:nvSpPr>
-          <p:cNvPr id="74" name="PlaceHolder 1"/>
+          <p:cNvPr id="85" name="PlaceHolder 1"/>
           <p:cNvSpPr>
             <a:spLocks noGrp="1"/>
           </p:cNvSpPr>
@@ -287,7 +288,7 @@
       </p:sp>
       <p:sp>
         <p:nvSpPr>
-          <p:cNvPr id="75" name="PlaceHolder 2"/>
+          <p:cNvPr id="86" name="PlaceHolder 2"/>
           <p:cNvSpPr>
             <a:spLocks noGrp="1"/>
           </p:cNvSpPr>
@@ -297,8 +298,476 @@
         </p:nvSpPr>
         <p:spPr>
           <a:xfrm>
+            <a:off x="777240" y="4608000"/>
+            <a:ext cx="6494760" cy="7223400"/>
+          </a:xfrm>
+          <a:prstGeom prst="rect">
+            <a:avLst/>
+          </a:prstGeom>
+        </p:spPr>
+        <p:txBody>
+          <a:bodyPr lIns="0" rIns="0" tIns="0" bIns="0"/>
+          <a:p>
+            <a:r>
+              <a:rPr b="0" lang="en-US" sz="1600" spc="-1" strike="noStrike">
+                <a:latin typeface="Arial"/>
+              </a:rPr>
+              <a:t>The main point here is to show the data flow while the requirements were maid clear.</a:t>
+            </a:r>
+            <a:endParaRPr b="0" lang="en-US" sz="1600" spc="-1" strike="noStrike">
+              <a:latin typeface="Arial"/>
+            </a:endParaRPr>
+          </a:p>
+          <a:p>
+            <a:r>
+              <a:rPr b="0" lang="en-US" sz="1600" spc="-1" strike="noStrike">
+                <a:latin typeface="Arial"/>
+              </a:rPr>
+              <a:t>The flow starts with the register of the different type of users: the administrator, the staff and the costumers.</a:t>
+            </a:r>
+            <a:endParaRPr b="0" lang="en-US" sz="1600" spc="-1" strike="noStrike">
+              <a:latin typeface="Arial"/>
+            </a:endParaRPr>
+          </a:p>
+          <a:p>
+            <a:r>
+              <a:rPr b="0" lang="en-US" sz="1600" spc="-1" strike="noStrike">
+                <a:latin typeface="Arial"/>
+              </a:rPr>
+              <a:t>The costumers are able to register their vehicles and set their vehicles to a booking accordingly with the employees availability given by the Roster.</a:t>
+            </a:r>
+            <a:endParaRPr b="0" lang="en-US" sz="1600" spc="-1" strike="noStrike">
+              <a:latin typeface="Arial"/>
+            </a:endParaRPr>
+          </a:p>
+          <a:p>
+            <a:r>
+              <a:rPr b="0" lang="en-US" sz="1600" spc="-1" strike="noStrike">
+                <a:latin typeface="Arial"/>
+              </a:rPr>
+              <a:t>An available date has a Booking.</a:t>
+            </a:r>
+            <a:endParaRPr b="0" lang="en-US" sz="1600" spc="-1" strike="noStrike">
+              <a:latin typeface="Arial"/>
+            </a:endParaRPr>
+          </a:p>
+          <a:p>
+            <a:r>
+              <a:rPr b="0" lang="en-US" sz="1600" spc="-1" strike="noStrike">
+                <a:latin typeface="Arial"/>
+              </a:rPr>
+              <a:t>A Booking has an initial budget time and cost by its type, after the status of the booking change from “Booked” to “In service” it is able to add services and parts as required.</a:t>
+            </a:r>
+            <a:endParaRPr b="0" lang="en-US" sz="1600" spc="-1" strike="noStrike">
+              <a:latin typeface="Arial"/>
+            </a:endParaRPr>
+          </a:p>
+          <a:p>
+            <a:r>
+              <a:rPr b="0" lang="en-US" sz="1600" spc="-1" strike="noStrike">
+                <a:latin typeface="Arial"/>
+              </a:rPr>
+              <a:t>The invoice then collects the costs of the booking at status “Ready” to show the total cost and each component of it, to status “Waiting Payment”.</a:t>
+            </a:r>
+            <a:endParaRPr b="0" lang="en-US" sz="1600" spc="-1" strike="noStrike">
+              <a:latin typeface="Arial"/>
+            </a:endParaRPr>
+          </a:p>
+          <a:p>
+            <a:r>
+              <a:rPr b="0" lang="en-US" sz="1600" spc="-1" strike="noStrike">
+                <a:latin typeface="Arial"/>
+              </a:rPr>
+              <a:t>The payed Invoice change the booking status to “Deliverable” and the costumer collection changes it to “Finished”</a:t>
+            </a:r>
+            <a:endParaRPr b="0" lang="en-US" sz="1600" spc="-1" strike="noStrike">
+              <a:latin typeface="Arial"/>
+            </a:endParaRPr>
+          </a:p>
+          <a:p>
+            <a:endParaRPr b="0" lang="en-US" sz="1600" spc="-1" strike="noStrike">
+              <a:latin typeface="Arial"/>
+            </a:endParaRPr>
+          </a:p>
+          <a:p>
+            <a:r>
+              <a:rPr b="0" lang="en-US" sz="1600" spc="-1" strike="noStrike">
+                <a:latin typeface="Arial"/>
+              </a:rPr>
+              <a:t>Development</a:t>
+            </a:r>
+            <a:endParaRPr b="0" lang="en-US" sz="1600" spc="-1" strike="noStrike">
+              <a:latin typeface="Arial"/>
+            </a:endParaRPr>
+          </a:p>
+          <a:p>
+            <a:r>
+              <a:rPr b="0" lang="en-US" sz="1600" spc="-1" strike="noStrike">
+                <a:latin typeface="Arial"/>
+              </a:rPr>
+              <a:t>	</a:t>
+            </a:r>
+            <a:r>
+              <a:rPr b="0" lang="en-US" sz="1600" spc="-1" strike="noStrike">
+                <a:latin typeface="Arial"/>
+              </a:rPr>
+              <a:t>Database</a:t>
+            </a:r>
+            <a:endParaRPr b="0" lang="en-US" sz="1600" spc="-1" strike="noStrike">
+              <a:latin typeface="Arial"/>
+            </a:endParaRPr>
+          </a:p>
+          <a:p>
+            <a:r>
+              <a:rPr b="0" lang="en-US" sz="1600" spc="-1" strike="noStrike">
+                <a:latin typeface="Arial"/>
+              </a:rPr>
+              <a:t>	</a:t>
+            </a:r>
+            <a:r>
+              <a:rPr b="0" lang="en-US" sz="1600" spc="-1" strike="noStrike">
+                <a:latin typeface="Arial"/>
+              </a:rPr>
+              <a:t>	</a:t>
+            </a:r>
+            <a:r>
+              <a:rPr b="0" lang="en-US" sz="1600" spc="-1" strike="noStrike">
+                <a:latin typeface="Arial"/>
+              </a:rPr>
+              <a:t>Users</a:t>
+            </a:r>
+            <a:endParaRPr b="0" lang="en-US" sz="1600" spc="-1" strike="noStrike">
+              <a:latin typeface="Arial"/>
+            </a:endParaRPr>
+          </a:p>
+          <a:p>
+            <a:r>
+              <a:rPr b="0" lang="en-US" sz="1600" spc="-1" strike="noStrike">
+                <a:latin typeface="Arial"/>
+              </a:rPr>
+              <a:t>	</a:t>
+            </a:r>
+            <a:r>
+              <a:rPr b="0" lang="en-US" sz="1600" spc="-1" strike="noStrike">
+                <a:latin typeface="Arial"/>
+              </a:rPr>
+              <a:t>	</a:t>
+            </a:r>
+            <a:r>
+              <a:rPr b="0" lang="en-US" sz="1600" spc="-1" strike="noStrike">
+                <a:latin typeface="Arial"/>
+              </a:rPr>
+              <a:t>Vehicles</a:t>
+            </a:r>
+            <a:endParaRPr b="0" lang="en-US" sz="1600" spc="-1" strike="noStrike">
+              <a:latin typeface="Arial"/>
+            </a:endParaRPr>
+          </a:p>
+          <a:p>
+            <a:r>
+              <a:rPr b="0" lang="en-US" sz="1600" spc="-1" strike="noStrike">
+                <a:latin typeface="Arial"/>
+              </a:rPr>
+              <a:t>	</a:t>
+            </a:r>
+            <a:r>
+              <a:rPr b="0" lang="en-US" sz="1600" spc="-1" strike="noStrike">
+                <a:latin typeface="Arial"/>
+              </a:rPr>
+              <a:t>	</a:t>
+            </a:r>
+            <a:r>
+              <a:rPr b="0" lang="en-US" sz="1600" spc="-1" strike="noStrike">
+                <a:latin typeface="Arial"/>
+              </a:rPr>
+              <a:t>Booking</a:t>
+            </a:r>
+            <a:endParaRPr b="0" lang="en-US" sz="1600" spc="-1" strike="noStrike">
+              <a:latin typeface="Arial"/>
+            </a:endParaRPr>
+          </a:p>
+          <a:p>
+            <a:r>
+              <a:rPr b="0" lang="en-US" sz="1600" spc="-1" strike="noStrike">
+                <a:latin typeface="Arial"/>
+              </a:rPr>
+              <a:t>	</a:t>
+            </a:r>
+            <a:r>
+              <a:rPr b="0" lang="en-US" sz="1600" spc="-1" strike="noStrike">
+                <a:latin typeface="Arial"/>
+              </a:rPr>
+              <a:t>	</a:t>
+            </a:r>
+            <a:r>
+              <a:rPr b="0" lang="en-US" sz="1600" spc="-1" strike="noStrike">
+                <a:latin typeface="Arial"/>
+              </a:rPr>
+              <a:t>Roster</a:t>
+            </a:r>
+            <a:endParaRPr b="0" lang="en-US" sz="1600" spc="-1" strike="noStrike">
+              <a:latin typeface="Arial"/>
+            </a:endParaRPr>
+          </a:p>
+          <a:p>
+            <a:r>
+              <a:rPr b="0" lang="en-US" sz="1600" spc="-1" strike="noStrike">
+                <a:latin typeface="Arial"/>
+              </a:rPr>
+              <a:t>	</a:t>
+            </a:r>
+            <a:r>
+              <a:rPr b="0" lang="en-US" sz="1600" spc="-1" strike="noStrike">
+                <a:latin typeface="Arial"/>
+              </a:rPr>
+              <a:t>	</a:t>
+            </a:r>
+            <a:r>
+              <a:rPr b="0" lang="en-US" sz="1600" spc="-1" strike="noStrike">
+                <a:latin typeface="Arial"/>
+              </a:rPr>
+              <a:t>Invoice</a:t>
+            </a:r>
+            <a:endParaRPr b="0" lang="en-US" sz="1600" spc="-1" strike="noStrike">
+              <a:latin typeface="Arial"/>
+            </a:endParaRPr>
+          </a:p>
+          <a:p>
+            <a:r>
+              <a:rPr b="0" lang="en-US" sz="1600" spc="-1" strike="noStrike">
+                <a:latin typeface="Arial"/>
+              </a:rPr>
+              <a:t>	</a:t>
+            </a:r>
+            <a:r>
+              <a:rPr b="0" lang="en-US" sz="1600" spc="-1" strike="noStrike">
+                <a:latin typeface="Arial"/>
+              </a:rPr>
+              <a:t>Pages</a:t>
+            </a:r>
+            <a:endParaRPr b="0" lang="en-US" sz="1600" spc="-1" strike="noStrike">
+              <a:latin typeface="Arial"/>
+            </a:endParaRPr>
+          </a:p>
+          <a:p>
+            <a:r>
+              <a:rPr b="0" lang="en-US" sz="1600" spc="-1" strike="noStrike">
+                <a:latin typeface="Arial"/>
+              </a:rPr>
+              <a:t>	</a:t>
+            </a:r>
+            <a:r>
+              <a:rPr b="0" lang="en-US" sz="1600" spc="-1" strike="noStrike">
+                <a:latin typeface="Arial"/>
+              </a:rPr>
+              <a:t>	</a:t>
+            </a:r>
+            <a:r>
+              <a:rPr b="0" lang="en-US" sz="1600" spc="-1" strike="noStrike">
+                <a:latin typeface="Arial"/>
+              </a:rPr>
+              <a:t>Welcome</a:t>
+            </a:r>
+            <a:endParaRPr b="0" lang="en-US" sz="1600" spc="-1" strike="noStrike">
+              <a:latin typeface="Arial"/>
+            </a:endParaRPr>
+          </a:p>
+          <a:p>
+            <a:r>
+              <a:rPr b="0" lang="en-US" sz="1600" spc="-1" strike="noStrike">
+                <a:latin typeface="Arial"/>
+              </a:rPr>
+              <a:t>	</a:t>
+            </a:r>
+            <a:r>
+              <a:rPr b="0" lang="en-US" sz="1600" spc="-1" strike="noStrike">
+                <a:latin typeface="Arial"/>
+              </a:rPr>
+              <a:t>	</a:t>
+            </a:r>
+            <a:r>
+              <a:rPr b="0" lang="en-US" sz="1600" spc="-1" strike="noStrike">
+                <a:latin typeface="Arial"/>
+              </a:rPr>
+              <a:t>Register</a:t>
+            </a:r>
+            <a:endParaRPr b="0" lang="en-US" sz="1600" spc="-1" strike="noStrike">
+              <a:latin typeface="Arial"/>
+            </a:endParaRPr>
+          </a:p>
+          <a:p>
+            <a:r>
+              <a:rPr b="0" lang="en-US" sz="1600" spc="-1" strike="noStrike">
+                <a:latin typeface="Arial"/>
+              </a:rPr>
+              <a:t>	</a:t>
+            </a:r>
+            <a:r>
+              <a:rPr b="0" lang="en-US" sz="1600" spc="-1" strike="noStrike">
+                <a:latin typeface="Arial"/>
+              </a:rPr>
+              <a:t>	</a:t>
+            </a:r>
+            <a:r>
+              <a:rPr b="0" lang="en-US" sz="1600" spc="-1" strike="noStrike">
+                <a:latin typeface="Arial"/>
+              </a:rPr>
+              <a:t>Login</a:t>
+            </a:r>
+            <a:endParaRPr b="0" lang="en-US" sz="1600" spc="-1" strike="noStrike">
+              <a:latin typeface="Arial"/>
+            </a:endParaRPr>
+          </a:p>
+          <a:p>
+            <a:r>
+              <a:rPr b="0" lang="en-US" sz="1600" spc="-1" strike="noStrike">
+                <a:latin typeface="Arial"/>
+              </a:rPr>
+              <a:t>	</a:t>
+            </a:r>
+            <a:r>
+              <a:rPr b="0" lang="en-US" sz="1600" spc="-1" strike="noStrike">
+                <a:latin typeface="Arial"/>
+              </a:rPr>
+              <a:t>	</a:t>
+            </a:r>
+            <a:r>
+              <a:rPr b="0" lang="en-US" sz="1600" spc="-1" strike="noStrike">
+                <a:latin typeface="Arial"/>
+              </a:rPr>
+              <a:t>Vehicle register</a:t>
+            </a:r>
+            <a:endParaRPr b="0" lang="en-US" sz="1600" spc="-1" strike="noStrike">
+              <a:latin typeface="Arial"/>
+            </a:endParaRPr>
+          </a:p>
+          <a:p>
+            <a:r>
+              <a:rPr b="0" lang="en-US" sz="1600" spc="-1" strike="noStrike">
+                <a:latin typeface="Arial"/>
+              </a:rPr>
+              <a:t>	</a:t>
+            </a:r>
+            <a:r>
+              <a:rPr b="0" lang="en-US" sz="1600" spc="-1" strike="noStrike">
+                <a:latin typeface="Arial"/>
+              </a:rPr>
+              <a:t>	</a:t>
+            </a:r>
+            <a:r>
+              <a:rPr b="0" lang="en-US" sz="1600" spc="-1" strike="noStrike">
+                <a:latin typeface="Arial"/>
+              </a:rPr>
+              <a:t>Booking schedule</a:t>
+            </a:r>
+            <a:endParaRPr b="0" lang="en-US" sz="1600" spc="-1" strike="noStrike">
+              <a:latin typeface="Arial"/>
+            </a:endParaRPr>
+          </a:p>
+          <a:p>
+            <a:r>
+              <a:rPr b="0" lang="en-US" sz="1600" spc="-1" strike="noStrike">
+                <a:latin typeface="Arial"/>
+              </a:rPr>
+              <a:t>	</a:t>
+            </a:r>
+            <a:r>
+              <a:rPr b="0" lang="en-US" sz="1600" spc="-1" strike="noStrike">
+                <a:latin typeface="Arial"/>
+              </a:rPr>
+              <a:t>	</a:t>
+            </a:r>
+            <a:r>
+              <a:rPr b="0" lang="en-US" sz="1600" spc="-1" strike="noStrike">
+                <a:latin typeface="Arial"/>
+              </a:rPr>
+              <a:t>Booking status</a:t>
+            </a:r>
+            <a:endParaRPr b="0" lang="en-US" sz="1600" spc="-1" strike="noStrike">
+              <a:latin typeface="Arial"/>
+            </a:endParaRPr>
+          </a:p>
+          <a:p>
+            <a:r>
+              <a:rPr b="0" lang="en-US" sz="1600" spc="-1" strike="noStrike">
+                <a:latin typeface="Arial"/>
+              </a:rPr>
+              <a:t>	</a:t>
+            </a:r>
+            <a:r>
+              <a:rPr b="0" lang="en-US" sz="1600" spc="-1" strike="noStrike">
+                <a:latin typeface="Arial"/>
+              </a:rPr>
+              <a:t>	</a:t>
+            </a:r>
+            <a:r>
+              <a:rPr b="0" lang="en-US" sz="1600" spc="-1" strike="noStrike">
+                <a:latin typeface="Arial"/>
+              </a:rPr>
+              <a:t>Invoice</a:t>
+            </a:r>
+            <a:endParaRPr b="0" lang="en-US" sz="1600" spc="-1" strike="noStrike">
+              <a:latin typeface="Arial"/>
+            </a:endParaRPr>
+          </a:p>
+        </p:txBody>
+      </p:sp>
+    </p:spTree>
+  </p:cSld>
+</p:notes>
+</file>
+
+<file path=ppt/notesSlides/notesSlide3.xml><?xml version="1.0" encoding="utf-8"?>
+<p:notes xmlns:a="http://schemas.openxmlformats.org/drawingml/2006/main" xmlns:p="http://schemas.openxmlformats.org/presentationml/2006/main" xmlns:r="http://schemas.openxmlformats.org/officeDocument/2006/relationships" xmlns:p14="http://schemas.microsoft.com/office/powerpoint/2010/main" xmlns:p15="http://schemas.microsoft.com/office/powerpoint/2012/main" xmlns:mc="http://schemas.openxmlformats.org/markup-compatibility/2006">
+  <p:cSld>
+    <p:spTree>
+      <p:nvGrpSpPr>
+        <p:cNvPr id="1" name=""/>
+        <p:cNvGrpSpPr/>
+        <p:nvPr/>
+      </p:nvGrpSpPr>
+      <p:grpSpPr>
+        <a:xfrm>
+          <a:off x="0" y="0"/>
+          <a:ext cx="0" cy="0"/>
+          <a:chOff x="0" y="0"/>
+          <a:chExt cx="0" cy="0"/>
+        </a:xfrm>
+      </p:grpSpPr>
+      <p:sp>
+        <p:nvSpPr>
+          <p:cNvPr id="87" name="PlaceHolder 1"/>
+          <p:cNvSpPr>
+            <a:spLocks noGrp="1"/>
+          </p:cNvSpPr>
+          <p:nvPr>
+            <p:ph type="sldImg"/>
+          </p:nvPr>
+        </p:nvSpPr>
+        <p:spPr>
+          <a:xfrm>
+            <a:off x="533520" y="720000"/>
+            <a:ext cx="6704640" cy="3771360"/>
+          </a:xfrm>
+          <a:prstGeom prst="rect">
+            <a:avLst/>
+          </a:prstGeom>
+        </p:spPr>
+      </p:sp>
+      <p:sp>
+        <p:nvSpPr>
+          <p:cNvPr id="88" name="PlaceHolder 2"/>
+          <p:cNvSpPr>
+            <a:spLocks noGrp="1"/>
+          </p:cNvSpPr>
+          <p:nvPr>
+            <p:ph type="body"/>
+          </p:nvPr>
+        </p:nvSpPr>
+        <p:spPr>
+          <a:xfrm>
             <a:off x="777240" y="4777560"/>
-            <a:ext cx="6217560" cy="5383440"/>
+            <a:ext cx="6217560" cy="5475240"/>
           </a:xfrm>
           <a:prstGeom prst="rect">
             <a:avLst/>
@@ -308,88 +777,1101 @@
           <a:bodyPr lIns="0" rIns="0" tIns="0" bIns="0"/>
           <a:p>
             <a:r>
-              <a:rPr b="0" lang="en-US" sz="2000" spc="-1" strike="noStrike">
-                <a:latin typeface="Arial"/>
-              </a:rPr>
-              <a:t>The main point here is to show the data flow while the requirements were maid clear.</a:t>
-            </a:r>
-            <a:endParaRPr b="0" lang="en-US" sz="2000" spc="-1" strike="noStrike">
-              <a:latin typeface="Arial"/>
-            </a:endParaRPr>
-          </a:p>
-          <a:p>
-            <a:r>
-              <a:rPr b="0" lang="en-US" sz="2000" spc="-1" strike="noStrike">
-                <a:latin typeface="Arial"/>
-              </a:rPr>
-              <a:t>The flow starts with the register of the different type of users: the administrator, the staff and the costumers.</a:t>
-            </a:r>
-            <a:endParaRPr b="0" lang="en-US" sz="2000" spc="-1" strike="noStrike">
-              <a:latin typeface="Arial"/>
-            </a:endParaRPr>
-          </a:p>
-          <a:p>
-            <a:r>
-              <a:rPr b="0" lang="en-US" sz="2000" spc="-1" strike="noStrike">
-                <a:latin typeface="Arial"/>
-              </a:rPr>
-              <a:t>The costumers are able to register their vehicles and set their vehicles to a booking accordingly with the employees availability given by the Roster.</a:t>
-            </a:r>
-            <a:endParaRPr b="0" lang="en-US" sz="2000" spc="-1" strike="noStrike">
-              <a:latin typeface="Arial"/>
-            </a:endParaRPr>
-          </a:p>
-          <a:p>
-            <a:r>
-              <a:rPr b="0" lang="en-US" sz="2000" spc="-1" strike="noStrike">
-                <a:latin typeface="Arial"/>
-              </a:rPr>
-              <a:t>An available date has a Booking.</a:t>
-            </a:r>
-            <a:endParaRPr b="0" lang="en-US" sz="2000" spc="-1" strike="noStrike">
-              <a:latin typeface="Arial"/>
-            </a:endParaRPr>
-          </a:p>
-          <a:p>
-            <a:r>
-              <a:rPr b="0" lang="en-US" sz="2000" spc="-1" strike="noStrike">
-                <a:latin typeface="Arial"/>
-              </a:rPr>
-              <a:t>A Booking has an initial budget time and cost by its type, after the status of the booking change from “Booked” to “In service” it is able to add services and parts as required.</a:t>
-            </a:r>
-            <a:endParaRPr b="0" lang="en-US" sz="2000" spc="-1" strike="noStrike">
-              <a:latin typeface="Arial"/>
-            </a:endParaRPr>
-          </a:p>
-          <a:p>
-            <a:r>
-              <a:rPr b="0" lang="en-US" sz="2000" spc="-1" strike="noStrike">
-                <a:latin typeface="Arial"/>
-              </a:rPr>
-              <a:t>The invoice then collects the costs of the booking at status “Ready” to show the total cost and each component of it, to status “Waiting Payment”.</a:t>
-            </a:r>
-            <a:endParaRPr b="0" lang="en-US" sz="2000" spc="-1" strike="noStrike">
-              <a:latin typeface="Arial"/>
-            </a:endParaRPr>
-          </a:p>
-          <a:p>
-            <a:r>
-              <a:rPr b="0" lang="en-US" sz="2000" spc="-1" strike="noStrike">
-                <a:latin typeface="Arial"/>
-              </a:rPr>
-              <a:t>The payed Invoice change the booking status to “Deliverable” and the costumer collection changes it to “Finished”</a:t>
-            </a:r>
-            <a:endParaRPr b="0" lang="en-US" sz="2000" spc="-1" strike="noStrike">
-              <a:latin typeface="Arial"/>
-            </a:endParaRPr>
-          </a:p>
-          <a:p>
-            <a:endParaRPr b="0" lang="en-US" sz="2000" spc="-1" strike="noStrike">
-              <a:latin typeface="Arial"/>
-            </a:endParaRPr>
-          </a:p>
-        </p:txBody>
-      </p:sp>
+              <a:rPr b="0" lang="en-US" sz="1600" spc="-1" strike="noStrike">
+                <a:latin typeface="Arial"/>
+              </a:rPr>
+              <a:t>Report </a:t>
+            </a:r>
+            <a:endParaRPr b="0" lang="en-US" sz="1600" spc="-1" strike="noStrike">
+              <a:latin typeface="Arial"/>
+            </a:endParaRPr>
+          </a:p>
+          <a:p>
+            <a:r>
+              <a:rPr b="0" lang="en-US" sz="1600" spc="-1" strike="noStrike">
+                <a:latin typeface="Arial"/>
+              </a:rPr>
+              <a:t>	</a:t>
+            </a:r>
+            <a:r>
+              <a:rPr b="0" lang="en-US" sz="1600" spc="-1" strike="noStrike">
+                <a:latin typeface="Arial"/>
+              </a:rPr>
+              <a:t>Skeleton</a:t>
+            </a:r>
+            <a:endParaRPr b="0" lang="en-US" sz="1600" spc="-1" strike="noStrike">
+              <a:latin typeface="Arial"/>
+            </a:endParaRPr>
+          </a:p>
+          <a:p>
+            <a:r>
+              <a:rPr b="0" lang="en-US" sz="1600" spc="-1" strike="noStrike">
+                <a:latin typeface="Arial"/>
+              </a:rPr>
+              <a:t>	</a:t>
+            </a:r>
+            <a:r>
+              <a:rPr b="0" lang="en-US" sz="1600" spc="-1" strike="noStrike">
+                <a:latin typeface="Arial"/>
+              </a:rPr>
+              <a:t>Chapter 1</a:t>
+            </a:r>
+            <a:endParaRPr b="0" lang="en-US" sz="1600" spc="-1" strike="noStrike">
+              <a:latin typeface="Arial"/>
+            </a:endParaRPr>
+          </a:p>
+          <a:p>
+            <a:r>
+              <a:rPr b="0" lang="en-US" sz="1600" spc="-1" strike="noStrike">
+                <a:latin typeface="Arial"/>
+              </a:rPr>
+              <a:t>	</a:t>
+            </a:r>
+            <a:r>
+              <a:rPr b="0" lang="en-US" sz="1600" spc="-1" strike="noStrike">
+                <a:latin typeface="Arial"/>
+              </a:rPr>
+              <a:t>Chapter 3</a:t>
+            </a:r>
+            <a:endParaRPr b="0" lang="en-US" sz="1600" spc="-1" strike="noStrike">
+              <a:latin typeface="Arial"/>
+            </a:endParaRPr>
+          </a:p>
+          <a:p>
+            <a:r>
+              <a:rPr b="0" lang="en-US" sz="1600" spc="-1" strike="noStrike">
+                <a:latin typeface="Arial"/>
+              </a:rPr>
+              <a:t>Development</a:t>
+            </a:r>
+            <a:endParaRPr b="0" lang="en-US" sz="1600" spc="-1" strike="noStrike">
+              <a:latin typeface="Arial"/>
+            </a:endParaRPr>
+          </a:p>
+          <a:p>
+            <a:r>
+              <a:rPr b="0" lang="en-US" sz="1600" spc="-1" strike="noStrike">
+                <a:latin typeface="Arial"/>
+              </a:rPr>
+              <a:t>	</a:t>
+            </a:r>
+            <a:r>
+              <a:rPr b="0" lang="en-US" sz="1600" spc="-1" strike="noStrike">
+                <a:latin typeface="Arial"/>
+              </a:rPr>
+              <a:t>Database</a:t>
+            </a:r>
+            <a:endParaRPr b="0" lang="en-US" sz="1600" spc="-1" strike="noStrike">
+              <a:latin typeface="Arial"/>
+            </a:endParaRPr>
+          </a:p>
+          <a:p>
+            <a:r>
+              <a:rPr b="0" lang="en-US" sz="1600" spc="-1" strike="noStrike">
+                <a:latin typeface="Arial"/>
+              </a:rPr>
+              <a:t>	</a:t>
+            </a:r>
+            <a:r>
+              <a:rPr b="0" lang="en-US" sz="1600" spc="-1" strike="noStrike">
+                <a:latin typeface="Arial"/>
+              </a:rPr>
+              <a:t>	</a:t>
+            </a:r>
+            <a:r>
+              <a:rPr b="0" lang="en-US" sz="1600" spc="-1" strike="noStrike">
+                <a:latin typeface="Arial"/>
+              </a:rPr>
+              <a:t>Users</a:t>
+            </a:r>
+            <a:endParaRPr b="0" lang="en-US" sz="1600" spc="-1" strike="noStrike">
+              <a:latin typeface="Arial"/>
+            </a:endParaRPr>
+          </a:p>
+          <a:p>
+            <a:r>
+              <a:rPr b="0" lang="en-US" sz="1600" spc="-1" strike="noStrike">
+                <a:latin typeface="Arial"/>
+              </a:rPr>
+              <a:t>	</a:t>
+            </a:r>
+            <a:r>
+              <a:rPr b="0" lang="en-US" sz="1600" spc="-1" strike="noStrike">
+                <a:latin typeface="Arial"/>
+              </a:rPr>
+              <a:t>	</a:t>
+            </a:r>
+            <a:r>
+              <a:rPr b="0" lang="en-US" sz="1600" spc="-1" strike="noStrike">
+                <a:latin typeface="Arial"/>
+              </a:rPr>
+              <a:t>Vehicles</a:t>
+            </a:r>
+            <a:endParaRPr b="0" lang="en-US" sz="1600" spc="-1" strike="noStrike">
+              <a:latin typeface="Arial"/>
+            </a:endParaRPr>
+          </a:p>
+          <a:p>
+            <a:r>
+              <a:rPr b="0" lang="en-US" sz="1600" spc="-1" strike="noStrike">
+                <a:latin typeface="Arial"/>
+              </a:rPr>
+              <a:t>	</a:t>
+            </a:r>
+            <a:r>
+              <a:rPr b="0" lang="en-US" sz="1600" spc="-1" strike="noStrike">
+                <a:latin typeface="Arial"/>
+              </a:rPr>
+              <a:t>	</a:t>
+            </a:r>
+            <a:r>
+              <a:rPr b="0" lang="en-US" sz="1600" spc="-1" strike="noStrike">
+                <a:latin typeface="Arial"/>
+              </a:rPr>
+              <a:t>	</a:t>
+            </a:r>
+            <a:r>
+              <a:rPr b="0" lang="en-US" sz="1600" spc="-1" strike="noStrike">
+                <a:latin typeface="Arial"/>
+              </a:rPr>
+              <a:t>Engine</a:t>
+            </a:r>
+            <a:endParaRPr b="0" lang="en-US" sz="1600" spc="-1" strike="noStrike">
+              <a:latin typeface="Arial"/>
+            </a:endParaRPr>
+          </a:p>
+          <a:p>
+            <a:r>
+              <a:rPr b="0" lang="en-US" sz="1600" spc="-1" strike="noStrike">
+                <a:latin typeface="Arial"/>
+              </a:rPr>
+              <a:t>	</a:t>
+            </a:r>
+            <a:r>
+              <a:rPr b="0" lang="en-US" sz="1600" spc="-1" strike="noStrike">
+                <a:latin typeface="Arial"/>
+              </a:rPr>
+              <a:t>	</a:t>
+            </a:r>
+            <a:r>
+              <a:rPr b="0" lang="en-US" sz="1600" spc="-1" strike="noStrike">
+                <a:latin typeface="Arial"/>
+              </a:rPr>
+              <a:t>	</a:t>
+            </a:r>
+            <a:r>
+              <a:rPr b="0" lang="en-US" sz="1600" spc="-1" strike="noStrike">
+                <a:latin typeface="Arial"/>
+              </a:rPr>
+              <a:t>Make</a:t>
+            </a:r>
+            <a:endParaRPr b="0" lang="en-US" sz="1600" spc="-1" strike="noStrike">
+              <a:latin typeface="Arial"/>
+            </a:endParaRPr>
+          </a:p>
+          <a:p>
+            <a:r>
+              <a:rPr b="0" lang="en-US" sz="1600" spc="-1" strike="noStrike">
+                <a:latin typeface="Arial"/>
+              </a:rPr>
+              <a:t>	</a:t>
+            </a:r>
+            <a:r>
+              <a:rPr b="0" lang="en-US" sz="1600" spc="-1" strike="noStrike">
+                <a:latin typeface="Arial"/>
+              </a:rPr>
+              <a:t>	</a:t>
+            </a:r>
+            <a:r>
+              <a:rPr b="0" lang="en-US" sz="1600" spc="-1" strike="noStrike">
+                <a:latin typeface="Arial"/>
+              </a:rPr>
+              <a:t>Booking</a:t>
+            </a:r>
+            <a:endParaRPr b="0" lang="en-US" sz="1600" spc="-1" strike="noStrike">
+              <a:latin typeface="Arial"/>
+            </a:endParaRPr>
+          </a:p>
+          <a:p>
+            <a:r>
+              <a:rPr b="0" lang="en-US" sz="1600" spc="-1" strike="noStrike">
+                <a:latin typeface="Arial"/>
+              </a:rPr>
+              <a:t>	</a:t>
+            </a:r>
+            <a:r>
+              <a:rPr b="0" lang="en-US" sz="1600" spc="-1" strike="noStrike">
+                <a:latin typeface="Arial"/>
+              </a:rPr>
+              <a:t>	</a:t>
+            </a:r>
+            <a:r>
+              <a:rPr b="0" lang="en-US" sz="1600" spc="-1" strike="noStrike">
+                <a:latin typeface="Arial"/>
+              </a:rPr>
+              <a:t>Roster</a:t>
+            </a:r>
+            <a:endParaRPr b="0" lang="en-US" sz="1600" spc="-1" strike="noStrike">
+              <a:latin typeface="Arial"/>
+            </a:endParaRPr>
+          </a:p>
+          <a:p>
+            <a:r>
+              <a:rPr b="0" lang="en-US" sz="1600" spc="-1" strike="noStrike">
+                <a:latin typeface="Arial"/>
+              </a:rPr>
+              <a:t>	</a:t>
+            </a:r>
+            <a:r>
+              <a:rPr b="0" lang="en-US" sz="1600" spc="-1" strike="noStrike">
+                <a:latin typeface="Arial"/>
+              </a:rPr>
+              <a:t>	</a:t>
+            </a:r>
+            <a:r>
+              <a:rPr b="0" lang="en-US" sz="1600" spc="-1" strike="noStrike">
+                <a:latin typeface="Arial"/>
+              </a:rPr>
+              <a:t>Invoice</a:t>
+            </a:r>
+            <a:endParaRPr b="0" lang="en-US" sz="1600" spc="-1" strike="noStrike">
+              <a:latin typeface="Arial"/>
+            </a:endParaRPr>
+          </a:p>
+          <a:p>
+            <a:r>
+              <a:rPr b="0" lang="en-US" sz="1600" spc="-1" strike="noStrike">
+                <a:latin typeface="Arial"/>
+              </a:rPr>
+              <a:t>	</a:t>
+            </a:r>
+            <a:r>
+              <a:rPr b="0" lang="en-US" sz="1600" spc="-1" strike="noStrike">
+                <a:latin typeface="Arial"/>
+              </a:rPr>
+              <a:t>	</a:t>
+            </a:r>
+            <a:r>
+              <a:rPr b="0" lang="en-US" sz="1600" spc="-1" strike="noStrike">
+                <a:latin typeface="Arial"/>
+              </a:rPr>
+              <a:t>Parts</a:t>
+            </a:r>
+            <a:endParaRPr b="0" lang="en-US" sz="1600" spc="-1" strike="noStrike">
+              <a:latin typeface="Arial"/>
+            </a:endParaRPr>
+          </a:p>
+          <a:p>
+            <a:r>
+              <a:rPr b="0" lang="en-US" sz="1600" spc="-1" strike="noStrike">
+                <a:latin typeface="Arial"/>
+              </a:rPr>
+              <a:t>	</a:t>
+            </a:r>
+            <a:r>
+              <a:rPr b="0" lang="en-US" sz="1600" spc="-1" strike="noStrike">
+                <a:latin typeface="Arial"/>
+              </a:rPr>
+              <a:t>	</a:t>
+            </a:r>
+            <a:r>
+              <a:rPr b="0" lang="en-US" sz="1600" spc="-1" strike="noStrike">
+                <a:latin typeface="Arial"/>
+              </a:rPr>
+              <a:t>Services</a:t>
+            </a:r>
+            <a:endParaRPr b="0" lang="en-US" sz="1600" spc="-1" strike="noStrike">
+              <a:latin typeface="Arial"/>
+            </a:endParaRPr>
+          </a:p>
+          <a:p>
+            <a:r>
+              <a:rPr b="0" lang="en-US" sz="1600" spc="-1" strike="noStrike">
+                <a:latin typeface="Arial"/>
+              </a:rPr>
+              <a:t>	</a:t>
+            </a:r>
+            <a:r>
+              <a:rPr b="0" lang="en-US" sz="1600" spc="-1" strike="noStrike">
+                <a:latin typeface="Arial"/>
+              </a:rPr>
+              <a:t>Pages</a:t>
+            </a:r>
+            <a:endParaRPr b="0" lang="en-US" sz="1600" spc="-1" strike="noStrike">
+              <a:latin typeface="Arial"/>
+            </a:endParaRPr>
+          </a:p>
+          <a:p>
+            <a:r>
+              <a:rPr b="0" lang="en-US" sz="1600" spc="-1" strike="noStrike">
+                <a:latin typeface="Arial"/>
+              </a:rPr>
+              <a:t>	</a:t>
+            </a:r>
+            <a:r>
+              <a:rPr b="0" lang="en-US" sz="1600" spc="-1" strike="noStrike">
+                <a:latin typeface="Arial"/>
+              </a:rPr>
+              <a:t>	</a:t>
+            </a:r>
+            <a:r>
+              <a:rPr b="0" lang="en-US" sz="1600" spc="-1" strike="noStrike">
+                <a:latin typeface="Arial"/>
+              </a:rPr>
+              <a:t>Welcome</a:t>
+            </a:r>
+            <a:endParaRPr b="0" lang="en-US" sz="1600" spc="-1" strike="noStrike">
+              <a:latin typeface="Arial"/>
+            </a:endParaRPr>
+          </a:p>
+          <a:p>
+            <a:r>
+              <a:rPr b="0" lang="en-US" sz="1600" spc="-1" strike="noStrike">
+                <a:latin typeface="Arial"/>
+              </a:rPr>
+              <a:t>	</a:t>
+            </a:r>
+            <a:r>
+              <a:rPr b="0" lang="en-US" sz="1600" spc="-1" strike="noStrike">
+                <a:latin typeface="Arial"/>
+              </a:rPr>
+              <a:t>	</a:t>
+            </a:r>
+            <a:r>
+              <a:rPr b="0" lang="en-US" sz="1600" spc="-1" strike="noStrike">
+                <a:latin typeface="Arial"/>
+              </a:rPr>
+              <a:t>Register</a:t>
+            </a:r>
+            <a:endParaRPr b="0" lang="en-US" sz="1600" spc="-1" strike="noStrike">
+              <a:latin typeface="Arial"/>
+            </a:endParaRPr>
+          </a:p>
+          <a:p>
+            <a:r>
+              <a:rPr b="0" lang="en-US" sz="1600" spc="-1" strike="noStrike">
+                <a:latin typeface="Arial"/>
+              </a:rPr>
+              <a:t>	</a:t>
+            </a:r>
+            <a:r>
+              <a:rPr b="0" lang="en-US" sz="1600" spc="-1" strike="noStrike">
+                <a:latin typeface="Arial"/>
+              </a:rPr>
+              <a:t>	</a:t>
+            </a:r>
+            <a:r>
+              <a:rPr b="0" lang="en-US" sz="1600" spc="-1" strike="noStrike">
+                <a:latin typeface="Arial"/>
+              </a:rPr>
+              <a:t>Login</a:t>
+            </a:r>
+            <a:endParaRPr b="0" lang="en-US" sz="1600" spc="-1" strike="noStrike">
+              <a:latin typeface="Arial"/>
+            </a:endParaRPr>
+          </a:p>
+          <a:p>
+            <a:r>
+              <a:rPr b="0" lang="en-US" sz="1600" spc="-1" strike="noStrike">
+                <a:latin typeface="Arial"/>
+              </a:rPr>
+              <a:t>	</a:t>
+            </a:r>
+            <a:r>
+              <a:rPr b="0" lang="en-US" sz="1600" spc="-1" strike="noStrike">
+                <a:latin typeface="Arial"/>
+              </a:rPr>
+              <a:t>	</a:t>
+            </a:r>
+            <a:r>
+              <a:rPr b="0" lang="en-US" sz="1600" spc="-1" strike="noStrike">
+                <a:latin typeface="Arial"/>
+              </a:rPr>
+              <a:t>Vehicle register</a:t>
+            </a:r>
+            <a:endParaRPr b="0" lang="en-US" sz="1600" spc="-1" strike="noStrike">
+              <a:latin typeface="Arial"/>
+            </a:endParaRPr>
+          </a:p>
+          <a:p>
+            <a:r>
+              <a:rPr b="0" lang="en-US" sz="1600" spc="-1" strike="noStrike">
+                <a:latin typeface="Arial"/>
+              </a:rPr>
+              <a:t>	</a:t>
+            </a:r>
+            <a:r>
+              <a:rPr b="0" lang="en-US" sz="1600" spc="-1" strike="noStrike">
+                <a:latin typeface="Arial"/>
+              </a:rPr>
+              <a:t>	</a:t>
+            </a:r>
+            <a:r>
+              <a:rPr b="0" lang="en-US" sz="1600" spc="-1" strike="noStrike">
+                <a:latin typeface="Arial"/>
+              </a:rPr>
+              <a:t>Booking schedule</a:t>
+            </a:r>
+            <a:endParaRPr b="0" lang="en-US" sz="1600" spc="-1" strike="noStrike">
+              <a:latin typeface="Arial"/>
+            </a:endParaRPr>
+          </a:p>
+          <a:p>
+            <a:r>
+              <a:rPr b="0" lang="en-US" sz="1600" spc="-1" strike="noStrike">
+                <a:latin typeface="Arial"/>
+              </a:rPr>
+              <a:t>	</a:t>
+            </a:r>
+            <a:r>
+              <a:rPr b="0" lang="en-US" sz="1600" spc="-1" strike="noStrike">
+                <a:latin typeface="Arial"/>
+              </a:rPr>
+              <a:t>	</a:t>
+            </a:r>
+            <a:r>
+              <a:rPr b="0" lang="en-US" sz="1600" spc="-1" strike="noStrike">
+                <a:latin typeface="Arial"/>
+              </a:rPr>
+              <a:t>Booking status</a:t>
+            </a:r>
+            <a:endParaRPr b="0" lang="en-US" sz="1600" spc="-1" strike="noStrike">
+              <a:latin typeface="Arial"/>
+            </a:endParaRPr>
+          </a:p>
+          <a:p>
+            <a:r>
+              <a:rPr b="0" lang="en-US" sz="1600" spc="-1" strike="noStrike">
+                <a:latin typeface="Arial"/>
+              </a:rPr>
+              <a:t>	</a:t>
+            </a:r>
+            <a:r>
+              <a:rPr b="0" lang="en-US" sz="1600" spc="-1" strike="noStrike">
+                <a:latin typeface="Arial"/>
+              </a:rPr>
+              <a:t>	</a:t>
+            </a:r>
+            <a:r>
+              <a:rPr b="0" lang="en-US" sz="1600" spc="-1" strike="noStrike">
+                <a:latin typeface="Arial"/>
+              </a:rPr>
+              <a:t>Invoice</a:t>
+            </a:r>
+            <a:endParaRPr b="0" lang="en-US" sz="1600" spc="-1" strike="noStrike">
+              <a:latin typeface="Arial"/>
+            </a:endParaRPr>
+          </a:p>
+          <a:p>
+            <a:endParaRPr b="0" lang="en-US" sz="1600" spc="-1" strike="noStrike">
+              <a:latin typeface="Arial"/>
+            </a:endParaRPr>
+          </a:p>
+        </p:txBody>
+      </p:sp>
+      <p:pic>
+        <p:nvPicPr>
+          <p:cNvPr id="89" name="" descr=""/>
+          <p:cNvPicPr/>
+          <p:nvPr/>
+        </p:nvPicPr>
+        <p:blipFill>
+          <a:blip r:embed="rId1"/>
+          <a:stretch/>
+        </p:blipFill>
+        <p:spPr>
+          <a:xfrm>
+            <a:off x="756000" y="1585080"/>
+            <a:ext cx="6408000" cy="2651400"/>
+          </a:xfrm>
+          <a:prstGeom prst="rect">
+            <a:avLst/>
+          </a:prstGeom>
+          <a:ln>
+            <a:noFill/>
+          </a:ln>
+        </p:spPr>
+      </p:pic>
+    </p:spTree>
+  </p:cSld>
+</p:notes>
+</file>
+
+<file path=ppt/notesSlides/notesSlide4.xml><?xml version="1.0" encoding="utf-8"?>
+<p:notes xmlns:a="http://schemas.openxmlformats.org/drawingml/2006/main" xmlns:p="http://schemas.openxmlformats.org/presentationml/2006/main" xmlns:r="http://schemas.openxmlformats.org/officeDocument/2006/relationships" xmlns:p14="http://schemas.microsoft.com/office/powerpoint/2010/main" xmlns:p15="http://schemas.microsoft.com/office/powerpoint/2012/main" xmlns:mc="http://schemas.openxmlformats.org/markup-compatibility/2006">
+  <p:cSld>
+    <p:spTree>
+      <p:nvGrpSpPr>
+        <p:cNvPr id="1" name=""/>
+        <p:cNvGrpSpPr/>
+        <p:nvPr/>
+      </p:nvGrpSpPr>
+      <p:grpSpPr>
+        <a:xfrm>
+          <a:off x="0" y="0"/>
+          <a:ext cx="0" cy="0"/>
+          <a:chOff x="0" y="0"/>
+          <a:chExt cx="0" cy="0"/>
+        </a:xfrm>
+      </p:grpSpPr>
+      <p:sp>
+        <p:nvSpPr>
+          <p:cNvPr id="90" name="PlaceHolder 1"/>
+          <p:cNvSpPr>
+            <a:spLocks noGrp="1"/>
+          </p:cNvSpPr>
+          <p:nvPr>
+            <p:ph type="sldImg"/>
+          </p:nvPr>
+        </p:nvSpPr>
+        <p:spPr>
+          <a:xfrm>
+            <a:off x="533520" y="720000"/>
+            <a:ext cx="6704640" cy="3771360"/>
+          </a:xfrm>
+          <a:prstGeom prst="rect">
+            <a:avLst/>
+          </a:prstGeom>
+        </p:spPr>
+      </p:sp>
+      <p:sp>
+        <p:nvSpPr>
+          <p:cNvPr id="91" name="PlaceHolder 2"/>
+          <p:cNvSpPr>
+            <a:spLocks noGrp="1"/>
+          </p:cNvSpPr>
+          <p:nvPr>
+            <p:ph type="body"/>
+          </p:nvPr>
+        </p:nvSpPr>
+        <p:spPr>
+          <a:xfrm>
+            <a:off x="777240" y="4777560"/>
+            <a:ext cx="6217560" cy="5417640"/>
+          </a:xfrm>
+          <a:prstGeom prst="rect">
+            <a:avLst/>
+          </a:prstGeom>
+        </p:spPr>
+        <p:txBody>
+          <a:bodyPr lIns="0" rIns="0" tIns="0" bIns="0"/>
+          <a:p>
+            <a:r>
+              <a:rPr b="0" lang="en-US" sz="1600" spc="-1" strike="noStrike">
+                <a:latin typeface="Arial"/>
+              </a:rPr>
+              <a:t>Report </a:t>
+            </a:r>
+            <a:endParaRPr b="0" lang="en-US" sz="1600" spc="-1" strike="noStrike">
+              <a:latin typeface="Arial"/>
+            </a:endParaRPr>
+          </a:p>
+          <a:p>
+            <a:r>
+              <a:rPr b="0" lang="en-US" sz="1600" spc="-1" strike="noStrike">
+                <a:latin typeface="Arial"/>
+              </a:rPr>
+              <a:t>	</a:t>
+            </a:r>
+            <a:r>
+              <a:rPr b="0" lang="en-US" sz="1600" spc="-1" strike="noStrike">
+                <a:latin typeface="Arial"/>
+              </a:rPr>
+              <a:t>Skeleton</a:t>
+            </a:r>
+            <a:endParaRPr b="0" lang="en-US" sz="1600" spc="-1" strike="noStrike">
+              <a:latin typeface="Arial"/>
+            </a:endParaRPr>
+          </a:p>
+          <a:p>
+            <a:r>
+              <a:rPr b="0" lang="en-US" sz="1600" spc="-1" strike="noStrike">
+                <a:latin typeface="Arial"/>
+              </a:rPr>
+              <a:t>	</a:t>
+            </a:r>
+            <a:r>
+              <a:rPr b="0" lang="en-US" sz="1600" spc="-1" strike="noStrike">
+                <a:latin typeface="Arial"/>
+              </a:rPr>
+              <a:t>Chapter 1</a:t>
+            </a:r>
+            <a:endParaRPr b="0" lang="en-US" sz="1600" spc="-1" strike="noStrike">
+              <a:latin typeface="Arial"/>
+            </a:endParaRPr>
+          </a:p>
+          <a:p>
+            <a:r>
+              <a:rPr b="0" lang="en-US" sz="1600" spc="-1" strike="noStrike">
+                <a:latin typeface="Arial"/>
+              </a:rPr>
+              <a:t>	</a:t>
+            </a:r>
+            <a:r>
+              <a:rPr b="0" lang="en-US" sz="1600" spc="-1" strike="noStrike">
+                <a:latin typeface="Arial"/>
+              </a:rPr>
+              <a:t>Chapter 3</a:t>
+            </a:r>
+            <a:endParaRPr b="0" lang="en-US" sz="1600" spc="-1" strike="noStrike">
+              <a:latin typeface="Arial"/>
+            </a:endParaRPr>
+          </a:p>
+          <a:p>
+            <a:r>
+              <a:rPr b="0" lang="en-US" sz="1600" spc="-1" strike="noStrike">
+                <a:latin typeface="Arial"/>
+              </a:rPr>
+              <a:t>Development</a:t>
+            </a:r>
+            <a:endParaRPr b="0" lang="en-US" sz="1600" spc="-1" strike="noStrike">
+              <a:latin typeface="Arial"/>
+            </a:endParaRPr>
+          </a:p>
+          <a:p>
+            <a:r>
+              <a:rPr b="0" lang="en-US" sz="1600" spc="-1" strike="noStrike">
+                <a:latin typeface="Arial"/>
+              </a:rPr>
+              <a:t>	</a:t>
+            </a:r>
+            <a:r>
+              <a:rPr b="0" lang="en-US" sz="1600" spc="-1" strike="noStrike">
+                <a:latin typeface="Arial"/>
+              </a:rPr>
+              <a:t>Database</a:t>
+            </a:r>
+            <a:endParaRPr b="0" lang="en-US" sz="1600" spc="-1" strike="noStrike">
+              <a:latin typeface="Arial"/>
+            </a:endParaRPr>
+          </a:p>
+          <a:p>
+            <a:r>
+              <a:rPr b="0" lang="en-US" sz="1600" spc="-1" strike="noStrike">
+                <a:latin typeface="Arial"/>
+              </a:rPr>
+              <a:t>	</a:t>
+            </a:r>
+            <a:r>
+              <a:rPr b="0" lang="en-US" sz="1600" spc="-1" strike="noStrike">
+                <a:latin typeface="Arial"/>
+              </a:rPr>
+              <a:t>	</a:t>
+            </a:r>
+            <a:r>
+              <a:rPr b="0" lang="en-US" sz="1600" spc="-1" strike="noStrike">
+                <a:latin typeface="Arial"/>
+              </a:rPr>
+              <a:t>Users</a:t>
+            </a:r>
+            <a:endParaRPr b="0" lang="en-US" sz="1600" spc="-1" strike="noStrike">
+              <a:latin typeface="Arial"/>
+            </a:endParaRPr>
+          </a:p>
+          <a:p>
+            <a:r>
+              <a:rPr b="0" lang="en-US" sz="1600" spc="-1" strike="noStrike">
+                <a:latin typeface="Arial"/>
+              </a:rPr>
+              <a:t>	</a:t>
+            </a:r>
+            <a:r>
+              <a:rPr b="0" lang="en-US" sz="1600" spc="-1" strike="noStrike">
+                <a:latin typeface="Arial"/>
+              </a:rPr>
+              <a:t>	</a:t>
+            </a:r>
+            <a:r>
+              <a:rPr b="0" lang="en-US" sz="1600" spc="-1" strike="noStrike">
+                <a:latin typeface="Arial"/>
+              </a:rPr>
+              <a:t>Vehicles</a:t>
+            </a:r>
+            <a:endParaRPr b="0" lang="en-US" sz="1600" spc="-1" strike="noStrike">
+              <a:latin typeface="Arial"/>
+            </a:endParaRPr>
+          </a:p>
+          <a:p>
+            <a:r>
+              <a:rPr b="0" lang="en-US" sz="1600" spc="-1" strike="noStrike">
+                <a:latin typeface="Arial"/>
+              </a:rPr>
+              <a:t>	</a:t>
+            </a:r>
+            <a:r>
+              <a:rPr b="0" lang="en-US" sz="1600" spc="-1" strike="noStrike">
+                <a:latin typeface="Arial"/>
+              </a:rPr>
+              <a:t>	</a:t>
+            </a:r>
+            <a:r>
+              <a:rPr b="0" lang="en-US" sz="1600" spc="-1" strike="noStrike">
+                <a:latin typeface="Arial"/>
+              </a:rPr>
+              <a:t>	</a:t>
+            </a:r>
+            <a:r>
+              <a:rPr b="0" lang="en-US" sz="1600" spc="-1" strike="noStrike">
+                <a:latin typeface="Arial"/>
+              </a:rPr>
+              <a:t>Engine</a:t>
+            </a:r>
+            <a:endParaRPr b="0" lang="en-US" sz="1600" spc="-1" strike="noStrike">
+              <a:latin typeface="Arial"/>
+            </a:endParaRPr>
+          </a:p>
+          <a:p>
+            <a:r>
+              <a:rPr b="0" lang="en-US" sz="1600" spc="-1" strike="noStrike">
+                <a:latin typeface="Arial"/>
+              </a:rPr>
+              <a:t>	</a:t>
+            </a:r>
+            <a:r>
+              <a:rPr b="0" lang="en-US" sz="1600" spc="-1" strike="noStrike">
+                <a:latin typeface="Arial"/>
+              </a:rPr>
+              <a:t>	</a:t>
+            </a:r>
+            <a:r>
+              <a:rPr b="0" lang="en-US" sz="1600" spc="-1" strike="noStrike">
+                <a:latin typeface="Arial"/>
+              </a:rPr>
+              <a:t>	</a:t>
+            </a:r>
+            <a:r>
+              <a:rPr b="0" lang="en-US" sz="1600" spc="-1" strike="noStrike">
+                <a:latin typeface="Arial"/>
+              </a:rPr>
+              <a:t>Make</a:t>
+            </a:r>
+            <a:endParaRPr b="0" lang="en-US" sz="1600" spc="-1" strike="noStrike">
+              <a:latin typeface="Arial"/>
+            </a:endParaRPr>
+          </a:p>
+          <a:p>
+            <a:r>
+              <a:rPr b="0" lang="en-US" sz="1600" spc="-1" strike="noStrike">
+                <a:latin typeface="Arial"/>
+              </a:rPr>
+              <a:t>	</a:t>
+            </a:r>
+            <a:r>
+              <a:rPr b="0" lang="en-US" sz="1600" spc="-1" strike="noStrike">
+                <a:latin typeface="Arial"/>
+              </a:rPr>
+              <a:t>	</a:t>
+            </a:r>
+            <a:r>
+              <a:rPr b="0" lang="en-US" sz="1600" spc="-1" strike="noStrike">
+                <a:latin typeface="Arial"/>
+              </a:rPr>
+              <a:t>Booking</a:t>
+            </a:r>
+            <a:endParaRPr b="0" lang="en-US" sz="1600" spc="-1" strike="noStrike">
+              <a:latin typeface="Arial"/>
+            </a:endParaRPr>
+          </a:p>
+          <a:p>
+            <a:r>
+              <a:rPr b="0" lang="en-US" sz="1600" spc="-1" strike="noStrike">
+                <a:latin typeface="Arial"/>
+              </a:rPr>
+              <a:t>	</a:t>
+            </a:r>
+            <a:r>
+              <a:rPr b="0" lang="en-US" sz="1600" spc="-1" strike="noStrike">
+                <a:latin typeface="Arial"/>
+              </a:rPr>
+              <a:t>	</a:t>
+            </a:r>
+            <a:r>
+              <a:rPr b="0" lang="en-US" sz="1600" spc="-1" strike="noStrike">
+                <a:latin typeface="Arial"/>
+              </a:rPr>
+              <a:t>Roster</a:t>
+            </a:r>
+            <a:endParaRPr b="0" lang="en-US" sz="1600" spc="-1" strike="noStrike">
+              <a:latin typeface="Arial"/>
+            </a:endParaRPr>
+          </a:p>
+          <a:p>
+            <a:r>
+              <a:rPr b="0" lang="en-US" sz="1600" spc="-1" strike="noStrike">
+                <a:latin typeface="Arial"/>
+              </a:rPr>
+              <a:t>	</a:t>
+            </a:r>
+            <a:r>
+              <a:rPr b="0" lang="en-US" sz="1600" spc="-1" strike="noStrike">
+                <a:latin typeface="Arial"/>
+              </a:rPr>
+              <a:t>	</a:t>
+            </a:r>
+            <a:r>
+              <a:rPr b="0" lang="en-US" sz="1600" spc="-1" strike="noStrike">
+                <a:latin typeface="Arial"/>
+              </a:rPr>
+              <a:t>Invoice</a:t>
+            </a:r>
+            <a:endParaRPr b="0" lang="en-US" sz="1600" spc="-1" strike="noStrike">
+              <a:latin typeface="Arial"/>
+            </a:endParaRPr>
+          </a:p>
+          <a:p>
+            <a:r>
+              <a:rPr b="0" lang="en-US" sz="1600" spc="-1" strike="noStrike">
+                <a:latin typeface="Arial"/>
+              </a:rPr>
+              <a:t>	</a:t>
+            </a:r>
+            <a:r>
+              <a:rPr b="0" lang="en-US" sz="1600" spc="-1" strike="noStrike">
+                <a:latin typeface="Arial"/>
+              </a:rPr>
+              <a:t>	</a:t>
+            </a:r>
+            <a:r>
+              <a:rPr b="0" lang="en-US" sz="1600" spc="-1" strike="noStrike">
+                <a:latin typeface="Arial"/>
+              </a:rPr>
+              <a:t>Parts</a:t>
+            </a:r>
+            <a:endParaRPr b="0" lang="en-US" sz="1600" spc="-1" strike="noStrike">
+              <a:latin typeface="Arial"/>
+            </a:endParaRPr>
+          </a:p>
+          <a:p>
+            <a:r>
+              <a:rPr b="0" lang="en-US" sz="1600" spc="-1" strike="noStrike">
+                <a:latin typeface="Arial"/>
+              </a:rPr>
+              <a:t>	</a:t>
+            </a:r>
+            <a:r>
+              <a:rPr b="0" lang="en-US" sz="1600" spc="-1" strike="noStrike">
+                <a:latin typeface="Arial"/>
+              </a:rPr>
+              <a:t>	</a:t>
+            </a:r>
+            <a:r>
+              <a:rPr b="0" lang="en-US" sz="1600" spc="-1" strike="noStrike">
+                <a:latin typeface="Arial"/>
+              </a:rPr>
+              <a:t>Services</a:t>
+            </a:r>
+            <a:endParaRPr b="0" lang="en-US" sz="1600" spc="-1" strike="noStrike">
+              <a:latin typeface="Arial"/>
+            </a:endParaRPr>
+          </a:p>
+          <a:p>
+            <a:r>
+              <a:rPr b="0" lang="en-US" sz="1600" spc="-1" strike="noStrike">
+                <a:latin typeface="Arial"/>
+              </a:rPr>
+              <a:t>	</a:t>
+            </a:r>
+            <a:r>
+              <a:rPr b="0" lang="en-US" sz="1600" spc="-1" strike="noStrike">
+                <a:latin typeface="Arial"/>
+              </a:rPr>
+              <a:t>Pages</a:t>
+            </a:r>
+            <a:endParaRPr b="0" lang="en-US" sz="1600" spc="-1" strike="noStrike">
+              <a:latin typeface="Arial"/>
+            </a:endParaRPr>
+          </a:p>
+          <a:p>
+            <a:r>
+              <a:rPr b="0" lang="en-US" sz="1600" spc="-1" strike="noStrike">
+                <a:latin typeface="Arial"/>
+              </a:rPr>
+              <a:t>	</a:t>
+            </a:r>
+            <a:r>
+              <a:rPr b="0" lang="en-US" sz="1600" spc="-1" strike="noStrike">
+                <a:latin typeface="Arial"/>
+              </a:rPr>
+              <a:t>	</a:t>
+            </a:r>
+            <a:r>
+              <a:rPr b="0" lang="en-US" sz="1600" spc="-1" strike="noStrike">
+                <a:latin typeface="Arial"/>
+              </a:rPr>
+              <a:t>Welcome</a:t>
+            </a:r>
+            <a:endParaRPr b="0" lang="en-US" sz="1600" spc="-1" strike="noStrike">
+              <a:latin typeface="Arial"/>
+            </a:endParaRPr>
+          </a:p>
+          <a:p>
+            <a:r>
+              <a:rPr b="0" lang="en-US" sz="1600" spc="-1" strike="noStrike">
+                <a:latin typeface="Arial"/>
+              </a:rPr>
+              <a:t>	</a:t>
+            </a:r>
+            <a:r>
+              <a:rPr b="0" lang="en-US" sz="1600" spc="-1" strike="noStrike">
+                <a:latin typeface="Arial"/>
+              </a:rPr>
+              <a:t>	</a:t>
+            </a:r>
+            <a:r>
+              <a:rPr b="0" lang="en-US" sz="1600" spc="-1" strike="noStrike">
+                <a:latin typeface="Arial"/>
+              </a:rPr>
+              <a:t>Register</a:t>
+            </a:r>
+            <a:endParaRPr b="0" lang="en-US" sz="1600" spc="-1" strike="noStrike">
+              <a:latin typeface="Arial"/>
+            </a:endParaRPr>
+          </a:p>
+          <a:p>
+            <a:r>
+              <a:rPr b="0" lang="en-US" sz="1600" spc="-1" strike="noStrike">
+                <a:latin typeface="Arial"/>
+              </a:rPr>
+              <a:t>	</a:t>
+            </a:r>
+            <a:r>
+              <a:rPr b="0" lang="en-US" sz="1600" spc="-1" strike="noStrike">
+                <a:latin typeface="Arial"/>
+              </a:rPr>
+              <a:t>	</a:t>
+            </a:r>
+            <a:r>
+              <a:rPr b="0" lang="en-US" sz="1600" spc="-1" strike="noStrike">
+                <a:latin typeface="Arial"/>
+              </a:rPr>
+              <a:t>Login</a:t>
+            </a:r>
+            <a:endParaRPr b="0" lang="en-US" sz="1600" spc="-1" strike="noStrike">
+              <a:latin typeface="Arial"/>
+            </a:endParaRPr>
+          </a:p>
+          <a:p>
+            <a:r>
+              <a:rPr b="0" lang="en-US" sz="1600" spc="-1" strike="noStrike">
+                <a:latin typeface="Arial"/>
+              </a:rPr>
+              <a:t>	</a:t>
+            </a:r>
+            <a:r>
+              <a:rPr b="0" lang="en-US" sz="1600" spc="-1" strike="noStrike">
+                <a:latin typeface="Arial"/>
+              </a:rPr>
+              <a:t>	</a:t>
+            </a:r>
+            <a:r>
+              <a:rPr b="0" lang="en-US" sz="1600" spc="-1" strike="noStrike">
+                <a:latin typeface="Arial"/>
+              </a:rPr>
+              <a:t>Vehicle register</a:t>
+            </a:r>
+            <a:endParaRPr b="0" lang="en-US" sz="1600" spc="-1" strike="noStrike">
+              <a:latin typeface="Arial"/>
+            </a:endParaRPr>
+          </a:p>
+          <a:p>
+            <a:r>
+              <a:rPr b="0" lang="en-US" sz="1600" spc="-1" strike="noStrike">
+                <a:latin typeface="Arial"/>
+              </a:rPr>
+              <a:t>	</a:t>
+            </a:r>
+            <a:r>
+              <a:rPr b="0" lang="en-US" sz="1600" spc="-1" strike="noStrike">
+                <a:latin typeface="Arial"/>
+              </a:rPr>
+              <a:t>	</a:t>
+            </a:r>
+            <a:r>
+              <a:rPr b="0" lang="en-US" sz="1600" spc="-1" strike="noStrike">
+                <a:latin typeface="Arial"/>
+              </a:rPr>
+              <a:t>Booking schedule</a:t>
+            </a:r>
+            <a:endParaRPr b="0" lang="en-US" sz="1600" spc="-1" strike="noStrike">
+              <a:latin typeface="Arial"/>
+            </a:endParaRPr>
+          </a:p>
+          <a:p>
+            <a:r>
+              <a:rPr b="0" lang="en-US" sz="1600" spc="-1" strike="noStrike">
+                <a:latin typeface="Arial"/>
+              </a:rPr>
+              <a:t>	</a:t>
+            </a:r>
+            <a:r>
+              <a:rPr b="0" lang="en-US" sz="1600" spc="-1" strike="noStrike">
+                <a:latin typeface="Arial"/>
+              </a:rPr>
+              <a:t>	</a:t>
+            </a:r>
+            <a:r>
+              <a:rPr b="0" lang="en-US" sz="1600" spc="-1" strike="noStrike">
+                <a:latin typeface="Arial"/>
+              </a:rPr>
+              <a:t>Booking status</a:t>
+            </a:r>
+            <a:endParaRPr b="0" lang="en-US" sz="1600" spc="-1" strike="noStrike">
+              <a:latin typeface="Arial"/>
+            </a:endParaRPr>
+          </a:p>
+          <a:p>
+            <a:r>
+              <a:rPr b="0" lang="en-US" sz="1600" spc="-1" strike="noStrike">
+                <a:latin typeface="Arial"/>
+              </a:rPr>
+              <a:t>	</a:t>
+            </a:r>
+            <a:r>
+              <a:rPr b="0" lang="en-US" sz="1600" spc="-1" strike="noStrike">
+                <a:latin typeface="Arial"/>
+              </a:rPr>
+              <a:t>	</a:t>
+            </a:r>
+            <a:r>
+              <a:rPr b="0" lang="en-US" sz="1600" spc="-1" strike="noStrike">
+                <a:latin typeface="Arial"/>
+              </a:rPr>
+              <a:t>Invoice</a:t>
+            </a:r>
+            <a:endParaRPr b="0" lang="en-US" sz="1600" spc="-1" strike="noStrike">
+              <a:latin typeface="Arial"/>
+            </a:endParaRPr>
+          </a:p>
+          <a:p>
+            <a:endParaRPr b="0" lang="en-US" sz="1600" spc="-1" strike="noStrike">
+              <a:latin typeface="Arial"/>
+            </a:endParaRPr>
+          </a:p>
+        </p:txBody>
+      </p:sp>
+      <p:pic>
+        <p:nvPicPr>
+          <p:cNvPr id="92" name="" descr=""/>
+          <p:cNvPicPr/>
+          <p:nvPr/>
+        </p:nvPicPr>
+        <p:blipFill>
+          <a:blip r:embed="rId1"/>
+          <a:stretch/>
+        </p:blipFill>
+        <p:spPr>
+          <a:xfrm>
+            <a:off x="756000" y="1585080"/>
+            <a:ext cx="6408000" cy="2651400"/>
+          </a:xfrm>
+          <a:prstGeom prst="rect">
+            <a:avLst/>
+          </a:prstGeom>
+          <a:ln>
+            <a:noFill/>
+          </a:ln>
+        </p:spPr>
+      </p:pic>
     </p:spTree>
   </p:cSld>
 </p:notes>
@@ -2050,7 +3532,7 @@
           <a:bodyPr lIns="0" rIns="0" tIns="0" bIns="0"/>
           <a:p>
             <a:pPr algn="r"/>
-            <a:fld id="{AD7334EE-2ACE-4240-A6EF-C0E13CF1D31D}" type="slidenum">
+            <a:fld id="{1B264EBA-1444-4086-836B-C102F4BBF643}" type="slidenum">
               <a:rPr b="0" lang="en-US" sz="1400" spc="-1" strike="noStrike">
                 <a:latin typeface="Times New Roman"/>
               </a:rPr>
@@ -3508,6 +4990,29 @@
           </a:p>
         </p:txBody>
       </p:sp>
+      <p:pic>
+        <p:nvPicPr>
+          <p:cNvPr id="71" name="" descr=""/>
+          <p:cNvPicPr/>
+          <p:nvPr/>
+        </p:nvPicPr>
+        <p:blipFill>
+          <a:blip r:embed="rId1"/>
+          <a:stretch/>
+        </p:blipFill>
+        <p:spPr>
+          <a:xfrm>
+            <a:off x="504000" y="1297080"/>
+            <a:ext cx="9219960" cy="3814920"/>
+          </a:xfrm>
+          <a:prstGeom prst="rect">
+            <a:avLst/>
+          </a:prstGeom>
+          <a:ln>
+            <a:noFill/>
+          </a:ln>
+        </p:spPr>
+      </p:pic>
     </p:spTree>
   </p:cSld>
   <mc:AlternateContent>
@@ -3567,7 +5072,7 @@
       </p:grpSpPr>
       <p:sp>
         <p:nvSpPr>
-          <p:cNvPr id="71" name="TextShape 1"/>
+          <p:cNvPr id="72" name="TextShape 1"/>
           <p:cNvSpPr txBox="1"/>
           <p:nvPr/>
         </p:nvSpPr>
@@ -3599,7 +5104,7 @@
               <a:rPr b="1" i="1" lang="en-US" sz="2800" spc="-1" strike="noStrike">
                 <a:latin typeface="Arial"/>
               </a:rPr>
-              <a:t>Next steps</a:t>
+              <a:t>Progress details</a:t>
             </a:r>
             <a:endParaRPr b="0" lang="en-US" sz="2800" spc="-1" strike="noStrike">
               <a:latin typeface="Arial"/>
@@ -3609,7 +5114,7 @@
       </p:sp>
       <p:sp>
         <p:nvSpPr>
-          <p:cNvPr id="72" name="TextShape 2"/>
+          <p:cNvPr id="73" name="TextShape 2"/>
           <p:cNvSpPr txBox="1"/>
           <p:nvPr/>
         </p:nvSpPr>
@@ -3630,12 +5135,6 @@
           <a:bodyPr lIns="0" rIns="0" tIns="0" bIns="0" anchor="ctr"/>
           <a:p>
             <a:pPr algn="ctr"/>
-            <a:r>
-              <a:rPr b="0" lang="en-US" sz="3200" spc="-1" strike="noStrike">
-                <a:latin typeface="Arial"/>
-              </a:rPr>
-              <a:t>Next steps</a:t>
-            </a:r>
             <a:endParaRPr b="0" lang="en-US" sz="3200" spc="-1" strike="noStrike">
               <a:latin typeface="Arial"/>
             </a:endParaRPr>
@@ -3644,7 +5143,7 @@
       </p:sp>
       <p:sp>
         <p:nvSpPr>
-          <p:cNvPr id="73" name="TextShape 3"/>
+          <p:cNvPr id="74" name="TextShape 3"/>
           <p:cNvSpPr txBox="1"/>
           <p:nvPr/>
         </p:nvSpPr>
@@ -3684,6 +5183,222 @@
               <a:t>SB18004</a:t>
             </a:r>
             <a:endParaRPr b="0" lang="en-US" sz="2400" spc="-1" strike="noStrike">
+              <a:latin typeface="Arial"/>
+            </a:endParaRPr>
+          </a:p>
+        </p:txBody>
+      </p:sp>
+      <p:pic>
+        <p:nvPicPr>
+          <p:cNvPr id="75" name="" descr=""/>
+          <p:cNvPicPr/>
+          <p:nvPr/>
+        </p:nvPicPr>
+        <p:blipFill>
+          <a:blip r:embed="rId1"/>
+          <a:stretch/>
+        </p:blipFill>
+        <p:spPr>
+          <a:xfrm>
+            <a:off x="506160" y="1440000"/>
+            <a:ext cx="3885840" cy="2764080"/>
+          </a:xfrm>
+          <a:prstGeom prst="rect">
+            <a:avLst/>
+          </a:prstGeom>
+          <a:ln>
+            <a:solidFill>
+              <a:srgbClr val="000000"/>
+            </a:solidFill>
+          </a:ln>
+        </p:spPr>
+      </p:pic>
+      <p:pic>
+        <p:nvPicPr>
+          <p:cNvPr id="76" name="" descr=""/>
+          <p:cNvPicPr/>
+          <p:nvPr/>
+        </p:nvPicPr>
+        <p:blipFill>
+          <a:blip r:embed="rId2"/>
+          <a:stretch/>
+        </p:blipFill>
+        <p:spPr>
+          <a:xfrm>
+            <a:off x="2274480" y="1800000"/>
+            <a:ext cx="5933520" cy="2761920"/>
+          </a:xfrm>
+          <a:prstGeom prst="rect">
+            <a:avLst/>
+          </a:prstGeom>
+          <a:ln>
+            <a:solidFill>
+              <a:srgbClr val="000000"/>
+            </a:solidFill>
+          </a:ln>
+        </p:spPr>
+      </p:pic>
+      <p:pic>
+        <p:nvPicPr>
+          <p:cNvPr id="77" name="" descr=""/>
+          <p:cNvPicPr/>
+          <p:nvPr/>
+        </p:nvPicPr>
+        <p:blipFill>
+          <a:blip r:embed="rId3"/>
+          <a:stretch/>
+        </p:blipFill>
+        <p:spPr>
+          <a:xfrm>
+            <a:off x="4032000" y="2485080"/>
+            <a:ext cx="5472000" cy="2914920"/>
+          </a:xfrm>
+          <a:prstGeom prst="rect">
+            <a:avLst/>
+          </a:prstGeom>
+          <a:ln>
+            <a:solidFill>
+              <a:srgbClr val="000000"/>
+            </a:solidFill>
+          </a:ln>
+        </p:spPr>
+      </p:pic>
+      <p:sp>
+        <p:nvSpPr>
+          <p:cNvPr id="78" name="CustomShape 4"/>
+          <p:cNvSpPr/>
+          <p:nvPr/>
+        </p:nvSpPr>
+        <p:spPr>
+          <a:xfrm>
+            <a:off x="504000" y="4561920"/>
+            <a:ext cx="2448000" cy="360000"/>
+          </a:xfrm>
+          <a:prstGeom prst="rect">
+            <a:avLst/>
+          </a:prstGeom>
+          <a:solidFill>
+            <a:srgbClr val="729fcf">
+              <a:alpha val="50000"/>
+            </a:srgbClr>
+          </a:solidFill>
+          <a:ln>
+            <a:solidFill>
+              <a:srgbClr val="3465a4"/>
+            </a:solidFill>
+          </a:ln>
+        </p:spPr>
+        <p:style>
+          <a:lnRef idx="0"/>
+          <a:fillRef idx="0"/>
+          <a:effectRef idx="0"/>
+          <a:fontRef idx="minor"/>
+        </p:style>
+        <p:txBody>
+          <a:bodyPr wrap="none" lIns="90000" rIns="90000" tIns="45000" bIns="45000" anchor="ctr"/>
+          <a:p>
+            <a:pPr algn="ctr"/>
+            <a:r>
+              <a:rPr b="0" lang="en-US" sz="1800" spc="-1" strike="noStrike">
+                <a:latin typeface="Arial"/>
+              </a:rPr>
+              <a:t>Webdesign and SQLite</a:t>
+            </a:r>
+            <a:endParaRPr b="0" lang="en-US" sz="1800" spc="-1" strike="noStrike">
+              <a:latin typeface="Arial"/>
+            </a:endParaRPr>
+          </a:p>
+        </p:txBody>
+      </p:sp>
+      <p:sp>
+        <p:nvSpPr>
+          <p:cNvPr id="79" name="CustomShape 5"/>
+          <p:cNvSpPr/>
+          <p:nvPr/>
+        </p:nvSpPr>
+        <p:spPr>
+          <a:xfrm>
+            <a:off x="4464000" y="1368000"/>
+            <a:ext cx="2160000" cy="360000"/>
+          </a:xfrm>
+          <a:prstGeom prst="rect">
+            <a:avLst/>
+          </a:prstGeom>
+          <a:solidFill>
+            <a:srgbClr val="729fcf">
+              <a:alpha val="50000"/>
+            </a:srgbClr>
+          </a:solidFill>
+          <a:ln>
+            <a:solidFill>
+              <a:srgbClr val="3465a4"/>
+            </a:solidFill>
+          </a:ln>
+        </p:spPr>
+        <p:style>
+          <a:lnRef idx="0"/>
+          <a:fillRef idx="0"/>
+          <a:effectRef idx="0"/>
+          <a:fontRef idx="minor"/>
+        </p:style>
+        <p:txBody>
+          <a:bodyPr wrap="none" lIns="90000" rIns="90000" tIns="45000" bIns="45000" anchor="ctr"/>
+          <a:p>
+            <a:pPr algn="ctr"/>
+            <a:r>
+              <a:rPr b="0" lang="en-US" sz="1800" spc="-1" strike="noStrike">
+                <a:latin typeface="Arial"/>
+              </a:rPr>
+              <a:t>SQLite Design tools</a:t>
+            </a:r>
+            <a:endParaRPr b="0" lang="en-US" sz="1800" spc="-1" strike="noStrike">
+              <a:latin typeface="Arial"/>
+            </a:endParaRPr>
+          </a:p>
+        </p:txBody>
+      </p:sp>
+      <p:sp>
+        <p:nvSpPr>
+          <p:cNvPr id="80" name="CustomShape 6"/>
+          <p:cNvSpPr/>
+          <p:nvPr/>
+        </p:nvSpPr>
+        <p:spPr>
+          <a:xfrm>
+            <a:off x="504000" y="1368000"/>
+            <a:ext cx="1872000" cy="360000"/>
+          </a:xfrm>
+          <a:prstGeom prst="rect">
+            <a:avLst/>
+          </a:prstGeom>
+          <a:solidFill>
+            <a:srgbClr val="729fcf">
+              <a:alpha val="50000"/>
+            </a:srgbClr>
+          </a:solidFill>
+          <a:ln>
+            <a:solidFill>
+              <a:srgbClr val="3465a4"/>
+            </a:solidFill>
+          </a:ln>
+        </p:spPr>
+        <p:style>
+          <a:lnRef idx="0"/>
+          <a:fillRef idx="0"/>
+          <a:effectRef idx="0"/>
+          <a:fontRef idx="minor"/>
+        </p:style>
+        <p:txBody>
+          <a:bodyPr wrap="none" lIns="90000" rIns="90000" tIns="45000" bIns="45000" anchor="ctr"/>
+          <a:p>
+            <a:pPr algn="ctr"/>
+            <a:r>
+              <a:rPr b="0" lang="en-US" sz="1800" spc="-1" strike="noStrike">
+                <a:latin typeface="Arial"/>
+              </a:rPr>
+              <a:t>Report Structure</a:t>
+            </a:r>
+            <a:endParaRPr b="0" lang="en-US" sz="1800" spc="-1" strike="noStrike">
               <a:latin typeface="Arial"/>
             </a:endParaRPr>
           </a:p>
@@ -3706,6 +5421,606 @@
           <p:childTnLst>
             <p:seq>
               <p:cTn id="8" dur="indefinite" nodeType="mainSeq"/>
+              <p:prevCondLst>
+                <p:cond delay="0" evt="onPrev">
+                  <p:tgtEl>
+                    <p:sldTgt/>
+                  </p:tgtEl>
+                </p:cond>
+              </p:prevCondLst>
+              <p:nextCondLst>
+                <p:cond delay="0" evt="onNext">
+                  <p:tgtEl>
+                    <p:sldTgt/>
+                  </p:tgtEl>
+                </p:cond>
+              </p:nextCondLst>
+            </p:seq>
+          </p:childTnLst>
+        </p:cTn>
+      </p:par>
+    </p:tnLst>
+  </p:timing>
+</p:sld>
+</file>
+
+<file path=ppt/slides/slide5.xml><?xml version="1.0" encoding="utf-8"?>
+<p:sld xmlns:a="http://schemas.openxmlformats.org/drawingml/2006/main" xmlns:p="http://schemas.openxmlformats.org/presentationml/2006/main" xmlns:r="http://schemas.openxmlformats.org/officeDocument/2006/relationships" xmlns:p14="http://schemas.microsoft.com/office/powerpoint/2010/main" xmlns:p15="http://schemas.microsoft.com/office/powerpoint/2012/main" xmlns:mc="http://schemas.openxmlformats.org/markup-compatibility/2006">
+  <p:cSld>
+    <p:spTree>
+      <p:nvGrpSpPr>
+        <p:cNvPr id="1" name=""/>
+        <p:cNvGrpSpPr/>
+        <p:nvPr/>
+      </p:nvGrpSpPr>
+      <p:grpSpPr>
+        <a:xfrm>
+          <a:off x="0" y="0"/>
+          <a:ext cx="0" cy="0"/>
+          <a:chOff x="0" y="0"/>
+          <a:chExt cx="0" cy="0"/>
+        </a:xfrm>
+      </p:grpSpPr>
+      <p:sp>
+        <p:nvSpPr>
+          <p:cNvPr id="81" name="TextShape 1"/>
+          <p:cNvSpPr txBox="1"/>
+          <p:nvPr/>
+        </p:nvSpPr>
+        <p:spPr>
+          <a:xfrm>
+            <a:off x="504000" y="226080"/>
+            <a:ext cx="9071640" cy="946440"/>
+          </a:xfrm>
+          <a:prstGeom prst="rect">
+            <a:avLst/>
+          </a:prstGeom>
+          <a:noFill/>
+          <a:ln>
+            <a:noFill/>
+          </a:ln>
+        </p:spPr>
+        <p:txBody>
+          <a:bodyPr lIns="0" rIns="0" tIns="0" bIns="0" anchor="ctr"/>
+          <a:p>
+            <a:r>
+              <a:rPr b="0" lang="en-US" sz="2800" spc="-1" strike="noStrike">
+                <a:latin typeface="Arial"/>
+                <a:ea typeface="Microsoft YaHei"/>
+              </a:rPr>
+              <a:t>Ger’s Garage WebSystem</a:t>
+            </a:r>
+            <a:br/>
+            <a:r>
+              <a:rPr b="1" i="1" lang="en-US" sz="2800" spc="-1" strike="noStrike">
+                <a:latin typeface="Arial"/>
+              </a:rPr>
+              <a:t>Next steps</a:t>
+            </a:r>
+            <a:endParaRPr b="0" lang="en-US" sz="2800" spc="-1" strike="noStrike">
+              <a:latin typeface="Arial"/>
+            </a:endParaRPr>
+          </a:p>
+        </p:txBody>
+      </p:sp>
+      <p:sp>
+        <p:nvSpPr>
+          <p:cNvPr id="82" name="TextShape 2"/>
+          <p:cNvSpPr txBox="1"/>
+          <p:nvPr/>
+        </p:nvSpPr>
+        <p:spPr>
+          <a:xfrm>
+            <a:off x="504000" y="1123200"/>
+            <a:ext cx="9071640" cy="4289040"/>
+          </a:xfrm>
+          <a:prstGeom prst="rect">
+            <a:avLst/>
+          </a:prstGeom>
+          <a:noFill/>
+          <a:ln>
+            <a:noFill/>
+          </a:ln>
+        </p:spPr>
+        <p:txBody>
+          <a:bodyPr lIns="0" rIns="0" tIns="0" bIns="0"/>
+          <a:p>
+            <a:r>
+              <a:rPr b="0" lang="en-US" sz="1600" spc="-1" strike="noStrike">
+                <a:latin typeface="Arial"/>
+              </a:rPr>
+              <a:t>Report</a:t>
+            </a:r>
+            <a:endParaRPr b="0" lang="en-US" sz="1600" spc="-1" strike="noStrike">
+              <a:latin typeface="Arial"/>
+            </a:endParaRPr>
+          </a:p>
+          <a:p>
+            <a:r>
+              <a:rPr b="0" lang="en-US" sz="1600" spc="-1" strike="noStrike">
+                <a:latin typeface="Arial"/>
+                <a:ea typeface="Microsoft YaHei"/>
+              </a:rPr>
+              <a:t>	</a:t>
+            </a:r>
+            <a:r>
+              <a:rPr b="0" lang="en-US" sz="1600" spc="-1" strike="noStrike">
+                <a:latin typeface="Arial"/>
+              </a:rPr>
+              <a:t>Chapter 2</a:t>
+            </a:r>
+            <a:endParaRPr b="0" lang="en-US" sz="1600" spc="-1" strike="noStrike">
+              <a:latin typeface="Arial"/>
+            </a:endParaRPr>
+          </a:p>
+          <a:p>
+            <a:r>
+              <a:rPr b="0" lang="en-US" sz="1600" spc="-1" strike="noStrike">
+                <a:latin typeface="Arial"/>
+              </a:rPr>
+              <a:t>	</a:t>
+            </a:r>
+            <a:r>
+              <a:rPr b="0" lang="en-US" sz="1600" spc="-1" strike="noStrike">
+                <a:latin typeface="Arial"/>
+              </a:rPr>
+              <a:t>Chapter 3</a:t>
+            </a:r>
+            <a:endParaRPr b="0" lang="en-US" sz="1600" spc="-1" strike="noStrike">
+              <a:latin typeface="Arial"/>
+            </a:endParaRPr>
+          </a:p>
+          <a:p>
+            <a:r>
+              <a:rPr b="0" lang="en-US" sz="1600" spc="-1" strike="noStrike">
+                <a:latin typeface="Arial"/>
+              </a:rPr>
+              <a:t>Development</a:t>
+            </a:r>
+            <a:endParaRPr b="0" lang="en-US" sz="1600" spc="-1" strike="noStrike">
+              <a:latin typeface="Arial"/>
+            </a:endParaRPr>
+          </a:p>
+          <a:p>
+            <a:r>
+              <a:rPr b="0" lang="en-US" sz="1600" spc="-1" strike="noStrike">
+                <a:latin typeface="Arial"/>
+              </a:rPr>
+              <a:t>	</a:t>
+            </a:r>
+            <a:r>
+              <a:rPr b="0" lang="en-US" sz="1600" spc="-1" strike="noStrike">
+                <a:latin typeface="Arial"/>
+              </a:rPr>
+              <a:t>Database</a:t>
+            </a:r>
+            <a:endParaRPr b="0" lang="en-US" sz="1600" spc="-1" strike="noStrike">
+              <a:latin typeface="Arial"/>
+            </a:endParaRPr>
+          </a:p>
+          <a:p>
+            <a:r>
+              <a:rPr b="0" lang="en-US" sz="1600" spc="-1" strike="noStrike">
+                <a:latin typeface="Arial"/>
+              </a:rPr>
+              <a:t>	</a:t>
+            </a:r>
+            <a:r>
+              <a:rPr b="0" lang="en-US" sz="1600" spc="-1" strike="noStrike">
+                <a:latin typeface="Arial"/>
+              </a:rPr>
+              <a:t>	</a:t>
+            </a:r>
+            <a:r>
+              <a:rPr b="0" lang="en-US" sz="1600" spc="-1" strike="noStrike">
+                <a:latin typeface="Arial"/>
+              </a:rPr>
+              <a:t>Booking</a:t>
+            </a:r>
+            <a:endParaRPr b="0" lang="en-US" sz="1600" spc="-1" strike="noStrike">
+              <a:latin typeface="Arial"/>
+            </a:endParaRPr>
+          </a:p>
+          <a:p>
+            <a:r>
+              <a:rPr b="0" lang="en-US" sz="1600" spc="-1" strike="noStrike">
+                <a:latin typeface="Arial"/>
+              </a:rPr>
+              <a:t>	</a:t>
+            </a:r>
+            <a:r>
+              <a:rPr b="0" lang="en-US" sz="1600" spc="-1" strike="noStrike">
+                <a:latin typeface="Arial"/>
+              </a:rPr>
+              <a:t>	</a:t>
+            </a:r>
+            <a:r>
+              <a:rPr b="0" lang="en-US" sz="1600" spc="-1" strike="noStrike">
+                <a:latin typeface="Arial"/>
+              </a:rPr>
+              <a:t>Roster</a:t>
+            </a:r>
+            <a:endParaRPr b="0" lang="en-US" sz="1600" spc="-1" strike="noStrike">
+              <a:latin typeface="Arial"/>
+            </a:endParaRPr>
+          </a:p>
+          <a:p>
+            <a:r>
+              <a:rPr b="0" lang="en-US" sz="1600" spc="-1" strike="noStrike">
+                <a:latin typeface="Arial"/>
+              </a:rPr>
+              <a:t>	</a:t>
+            </a:r>
+            <a:r>
+              <a:rPr b="0" lang="en-US" sz="1600" spc="-1" strike="noStrike">
+                <a:latin typeface="Arial"/>
+              </a:rPr>
+              <a:t>	</a:t>
+            </a:r>
+            <a:r>
+              <a:rPr b="0" lang="en-US" sz="1600" spc="-1" strike="noStrike">
+                <a:latin typeface="Arial"/>
+              </a:rPr>
+              <a:t>Invoice</a:t>
+            </a:r>
+            <a:endParaRPr b="0" lang="en-US" sz="1600" spc="-1" strike="noStrike">
+              <a:latin typeface="Arial"/>
+            </a:endParaRPr>
+          </a:p>
+          <a:p>
+            <a:r>
+              <a:rPr b="0" lang="en-US" sz="1600" spc="-1" strike="noStrike">
+                <a:latin typeface="Arial"/>
+              </a:rPr>
+              <a:t>	</a:t>
+            </a:r>
+            <a:r>
+              <a:rPr b="0" lang="en-US" sz="1600" spc="-1" strike="noStrike">
+                <a:latin typeface="Arial"/>
+              </a:rPr>
+              <a:t>	</a:t>
+            </a:r>
+            <a:r>
+              <a:rPr b="0" lang="en-US" sz="1600" spc="-1" strike="noStrike">
+                <a:latin typeface="Arial"/>
+              </a:rPr>
+              <a:t>Parts</a:t>
+            </a:r>
+            <a:endParaRPr b="0" lang="en-US" sz="1600" spc="-1" strike="noStrike">
+              <a:latin typeface="Arial"/>
+            </a:endParaRPr>
+          </a:p>
+          <a:p>
+            <a:r>
+              <a:rPr b="0" lang="en-US" sz="1600" spc="-1" strike="noStrike">
+                <a:latin typeface="Arial"/>
+              </a:rPr>
+              <a:t>	</a:t>
+            </a:r>
+            <a:r>
+              <a:rPr b="0" lang="en-US" sz="1600" spc="-1" strike="noStrike">
+                <a:latin typeface="Arial"/>
+              </a:rPr>
+              <a:t>	</a:t>
+            </a:r>
+            <a:r>
+              <a:rPr b="0" lang="en-US" sz="1600" spc="-1" strike="noStrike">
+                <a:latin typeface="Arial"/>
+              </a:rPr>
+              <a:t>Services</a:t>
+            </a:r>
+            <a:endParaRPr b="0" lang="en-US" sz="1600" spc="-1" strike="noStrike">
+              <a:latin typeface="Arial"/>
+            </a:endParaRPr>
+          </a:p>
+          <a:p>
+            <a:r>
+              <a:rPr b="0" lang="en-US" sz="1600" spc="-1" strike="noStrike">
+                <a:latin typeface="Arial"/>
+              </a:rPr>
+              <a:t>	</a:t>
+            </a:r>
+            <a:r>
+              <a:rPr b="0" lang="en-US" sz="1600" spc="-1" strike="noStrike">
+                <a:latin typeface="Arial"/>
+              </a:rPr>
+              <a:t>Pages</a:t>
+            </a:r>
+            <a:endParaRPr b="0" lang="en-US" sz="1600" spc="-1" strike="noStrike">
+              <a:latin typeface="Arial"/>
+            </a:endParaRPr>
+          </a:p>
+          <a:p>
+            <a:r>
+              <a:rPr b="0" lang="en-US" sz="1600" spc="-1" strike="noStrike">
+                <a:latin typeface="Arial"/>
+              </a:rPr>
+              <a:t>	</a:t>
+            </a:r>
+            <a:r>
+              <a:rPr b="0" lang="en-US" sz="1600" spc="-1" strike="noStrike">
+                <a:latin typeface="Arial"/>
+              </a:rPr>
+              <a:t>	</a:t>
+            </a:r>
+            <a:r>
+              <a:rPr b="0" lang="en-US" sz="1600" spc="-1" strike="noStrike">
+                <a:latin typeface="Arial"/>
+              </a:rPr>
+              <a:t>Welcome</a:t>
+            </a:r>
+            <a:endParaRPr b="0" lang="en-US" sz="1600" spc="-1" strike="noStrike">
+              <a:latin typeface="Arial"/>
+            </a:endParaRPr>
+          </a:p>
+          <a:p>
+            <a:r>
+              <a:rPr b="0" lang="en-US" sz="1600" spc="-1" strike="noStrike">
+                <a:latin typeface="Arial"/>
+              </a:rPr>
+              <a:t>	</a:t>
+            </a:r>
+            <a:r>
+              <a:rPr b="0" lang="en-US" sz="1600" spc="-1" strike="noStrike">
+                <a:latin typeface="Arial"/>
+              </a:rPr>
+              <a:t>	</a:t>
+            </a:r>
+            <a:r>
+              <a:rPr b="0" lang="en-US" sz="1600" spc="-1" strike="noStrike">
+                <a:latin typeface="Arial"/>
+              </a:rPr>
+              <a:t>Register</a:t>
+            </a:r>
+            <a:endParaRPr b="0" lang="en-US" sz="1600" spc="-1" strike="noStrike">
+              <a:latin typeface="Arial"/>
+            </a:endParaRPr>
+          </a:p>
+          <a:p>
+            <a:r>
+              <a:rPr b="0" lang="en-US" sz="1600" spc="-1" strike="noStrike">
+                <a:latin typeface="Arial"/>
+              </a:rPr>
+              <a:t>	</a:t>
+            </a:r>
+            <a:r>
+              <a:rPr b="0" lang="en-US" sz="1600" spc="-1" strike="noStrike">
+                <a:latin typeface="Arial"/>
+              </a:rPr>
+              <a:t>	</a:t>
+            </a:r>
+            <a:r>
+              <a:rPr b="0" lang="en-US" sz="1600" spc="-1" strike="noStrike">
+                <a:latin typeface="Arial"/>
+              </a:rPr>
+              <a:t>Login</a:t>
+            </a:r>
+            <a:endParaRPr b="0" lang="en-US" sz="1600" spc="-1" strike="noStrike">
+              <a:latin typeface="Arial"/>
+            </a:endParaRPr>
+          </a:p>
+          <a:p>
+            <a:r>
+              <a:rPr b="0" lang="en-US" sz="1600" spc="-1" strike="noStrike">
+                <a:latin typeface="Arial"/>
+              </a:rPr>
+              <a:t>	</a:t>
+            </a:r>
+            <a:r>
+              <a:rPr b="0" lang="en-US" sz="1600" spc="-1" strike="noStrike">
+                <a:latin typeface="Arial"/>
+              </a:rPr>
+              <a:t>	</a:t>
+            </a:r>
+            <a:r>
+              <a:rPr b="0" lang="en-US" sz="1600" spc="-1" strike="noStrike">
+                <a:latin typeface="Arial"/>
+              </a:rPr>
+              <a:t>Vehicle register</a:t>
+            </a:r>
+            <a:endParaRPr b="0" lang="en-US" sz="1600" spc="-1" strike="noStrike">
+              <a:latin typeface="Arial"/>
+            </a:endParaRPr>
+          </a:p>
+          <a:p>
+            <a:r>
+              <a:rPr b="0" lang="en-US" sz="1600" spc="-1" strike="noStrike">
+                <a:latin typeface="Arial"/>
+              </a:rPr>
+              <a:t>	</a:t>
+            </a:r>
+            <a:r>
+              <a:rPr b="0" lang="en-US" sz="1600" spc="-1" strike="noStrike">
+                <a:latin typeface="Arial"/>
+              </a:rPr>
+              <a:t>	</a:t>
+            </a:r>
+            <a:r>
+              <a:rPr b="0" lang="en-US" sz="1600" spc="-1" strike="noStrike">
+                <a:latin typeface="Arial"/>
+              </a:rPr>
+              <a:t>Booking schedule</a:t>
+            </a:r>
+            <a:endParaRPr b="0" lang="en-US" sz="1600" spc="-1" strike="noStrike">
+              <a:latin typeface="Arial"/>
+            </a:endParaRPr>
+          </a:p>
+          <a:p>
+            <a:r>
+              <a:rPr b="0" lang="en-US" sz="1600" spc="-1" strike="noStrike">
+                <a:latin typeface="Arial"/>
+              </a:rPr>
+              <a:t>	</a:t>
+            </a:r>
+            <a:r>
+              <a:rPr b="0" lang="en-US" sz="1600" spc="-1" strike="noStrike">
+                <a:latin typeface="Arial"/>
+              </a:rPr>
+              <a:t>	</a:t>
+            </a:r>
+            <a:r>
+              <a:rPr b="0" lang="en-US" sz="1600" spc="-1" strike="noStrike">
+                <a:latin typeface="Arial"/>
+              </a:rPr>
+              <a:t>Booking status</a:t>
+            </a:r>
+            <a:endParaRPr b="0" lang="en-US" sz="1600" spc="-1" strike="noStrike">
+              <a:latin typeface="Arial"/>
+            </a:endParaRPr>
+          </a:p>
+          <a:p>
+            <a:r>
+              <a:rPr b="0" lang="en-US" sz="1600" spc="-1" strike="noStrike">
+                <a:latin typeface="Arial"/>
+              </a:rPr>
+              <a:t>	</a:t>
+            </a:r>
+            <a:r>
+              <a:rPr b="0" lang="en-US" sz="1600" spc="-1" strike="noStrike">
+                <a:latin typeface="Arial"/>
+              </a:rPr>
+              <a:t>	</a:t>
+            </a:r>
+            <a:r>
+              <a:rPr b="0" lang="en-US" sz="1600" spc="-1" strike="noStrike">
+                <a:latin typeface="Arial"/>
+              </a:rPr>
+              <a:t>Invoice</a:t>
+            </a:r>
+            <a:endParaRPr b="0" lang="en-US" sz="1600" spc="-1" strike="noStrike">
+              <a:latin typeface="Arial"/>
+            </a:endParaRPr>
+          </a:p>
+          <a:p>
+            <a:r>
+              <a:rPr b="0" lang="en-US" sz="1600" spc="-1" strike="noStrike">
+                <a:latin typeface="Arial"/>
+              </a:rPr>
+              <a:t>	</a:t>
+            </a:r>
+            <a:r>
+              <a:rPr b="0" lang="en-US" sz="1600" spc="-1" strike="noStrike">
+                <a:latin typeface="Arial"/>
+              </a:rPr>
+              <a:t>Integration web and database</a:t>
+            </a:r>
+            <a:endParaRPr b="0" lang="en-US" sz="1600" spc="-1" strike="noStrike">
+              <a:latin typeface="Arial"/>
+            </a:endParaRPr>
+          </a:p>
+        </p:txBody>
+      </p:sp>
+      <p:sp>
+        <p:nvSpPr>
+          <p:cNvPr id="83" name="TextShape 3"/>
+          <p:cNvSpPr txBox="1"/>
+          <p:nvPr/>
+        </p:nvSpPr>
+        <p:spPr>
+          <a:xfrm>
+            <a:off x="5029200" y="226440"/>
+            <a:ext cx="4546800" cy="946440"/>
+          </a:xfrm>
+          <a:prstGeom prst="rect">
+            <a:avLst/>
+          </a:prstGeom>
+          <a:noFill/>
+          <a:ln>
+            <a:noFill/>
+          </a:ln>
+        </p:spPr>
+        <p:txBody>
+          <a:bodyPr lIns="0" rIns="0" tIns="0" bIns="0" anchor="ctr"/>
+          <a:p>
+            <a:pPr algn="r"/>
+            <a:r>
+              <a:rPr b="0" lang="en-US" sz="2400" spc="-1" strike="noStrike">
+                <a:latin typeface="Arial"/>
+              </a:rPr>
+              <a:t>Eduardo Nakashima</a:t>
+            </a:r>
+            <a:endParaRPr b="0" lang="en-US" sz="2400" spc="-1" strike="noStrike">
+              <a:latin typeface="Arial"/>
+            </a:endParaRPr>
+          </a:p>
+          <a:p>
+            <a:pPr algn="r"/>
+            <a:r>
+              <a:rPr b="0" lang="en-US" sz="2400" spc="-1" strike="noStrike">
+                <a:latin typeface="Arial"/>
+              </a:rPr>
+              <a:t>SB18004</a:t>
+            </a:r>
+            <a:endParaRPr b="0" lang="en-US" sz="2400" spc="-1" strike="noStrike">
+              <a:latin typeface="Arial"/>
+            </a:endParaRPr>
+          </a:p>
+        </p:txBody>
+      </p:sp>
+      <p:sp>
+        <p:nvSpPr>
+          <p:cNvPr id="84" name="CustomShape 4"/>
+          <p:cNvSpPr/>
+          <p:nvPr/>
+        </p:nvSpPr>
+        <p:spPr>
+          <a:xfrm>
+            <a:off x="3672000" y="1172880"/>
+            <a:ext cx="5688000" cy="483120"/>
+          </a:xfrm>
+          <a:prstGeom prst="rect">
+            <a:avLst/>
+          </a:prstGeom>
+          <a:solidFill>
+            <a:srgbClr val="729fcf">
+              <a:alpha val="50000"/>
+            </a:srgbClr>
+          </a:solidFill>
+          <a:ln>
+            <a:solidFill>
+              <a:srgbClr val="3465a4"/>
+            </a:solidFill>
+          </a:ln>
+        </p:spPr>
+        <p:style>
+          <a:lnRef idx="0"/>
+          <a:fillRef idx="0"/>
+          <a:effectRef idx="0"/>
+          <a:fontRef idx="minor"/>
+        </p:style>
+        <p:txBody>
+          <a:bodyPr wrap="none" lIns="90000" rIns="90000" tIns="45000" bIns="45000" anchor="ctr"/>
+          <a:p>
+            <a:pPr algn="ctr"/>
+            <a:r>
+              <a:rPr b="0" lang="en-US" sz="1800" spc="-1" strike="noStrike">
+                <a:latin typeface="Arial"/>
+              </a:rPr>
+              <a:t>Research on Webdesign tools / framework</a:t>
+            </a:r>
+            <a:endParaRPr b="0" lang="en-US" sz="1800" spc="-1" strike="noStrike">
+              <a:latin typeface="Arial"/>
+            </a:endParaRPr>
+          </a:p>
+        </p:txBody>
+      </p:sp>
+    </p:spTree>
+  </p:cSld>
+  <mc:AlternateContent>
+    <mc:Choice Requires="p14">
+      <p:transition spd="slow" p14:dur="2000"/>
+    </mc:Choice>
+    <mc:Fallback>
+      <p:transition spd="slow"/>
+    </mc:Fallback>
+  </mc:AlternateContent>
+  <p:timing>
+    <p:tnLst>
+      <p:par>
+        <p:cTn id="9" dur="indefinite" restart="never" nodeType="tmRoot">
+          <p:childTnLst>
+            <p:seq>
+              <p:cTn id="10" dur="indefinite" nodeType="mainSeq"/>
               <p:prevCondLst>
                 <p:cond delay="0" evt="onPrev">
                   <p:tgtEl>
